--- a/template/Pre_DOI_Form_05_2024_v3.pptx
+++ b/template/Pre_DOI_Form_05_2024_v3.pptx
@@ -310,7 +310,7 @@
           <a:p>
             <a:fld id="{5BCAD085-E8A6-8845-BD4E-CB4CCA059FC4}" type="datetimeFigureOut">
               <a:rPr lang="en-US" smtClean="0"/>
-              <a:t>7/8/2025</a:t>
+              <a:t>7/9/2025</a:t>
             </a:fld>
             <a:endParaRPr lang="en-US"/>
           </a:p>
@@ -478,7 +478,7 @@
           <a:p>
             <a:fld id="{5BCAD085-E8A6-8845-BD4E-CB4CCA059FC4}" type="datetimeFigureOut">
               <a:rPr lang="en-US" smtClean="0"/>
-              <a:t>7/8/2025</a:t>
+              <a:t>7/9/2025</a:t>
             </a:fld>
             <a:endParaRPr lang="en-US"/>
           </a:p>
@@ -656,7 +656,7 @@
           <a:p>
             <a:fld id="{5BCAD085-E8A6-8845-BD4E-CB4CCA059FC4}" type="datetimeFigureOut">
               <a:rPr lang="en-US" smtClean="0"/>
-              <a:t>7/8/2025</a:t>
+              <a:t>7/9/2025</a:t>
             </a:fld>
             <a:endParaRPr lang="en-US"/>
           </a:p>
@@ -824,7 +824,7 @@
           <a:p>
             <a:fld id="{5BCAD085-E8A6-8845-BD4E-CB4CCA059FC4}" type="datetimeFigureOut">
               <a:rPr lang="en-US" smtClean="0"/>
-              <a:t>7/8/2025</a:t>
+              <a:t>7/9/2025</a:t>
             </a:fld>
             <a:endParaRPr lang="en-US"/>
           </a:p>
@@ -1069,7 +1069,7 @@
           <a:p>
             <a:fld id="{5BCAD085-E8A6-8845-BD4E-CB4CCA059FC4}" type="datetimeFigureOut">
               <a:rPr lang="en-US" smtClean="0"/>
-              <a:t>7/8/2025</a:t>
+              <a:t>7/9/2025</a:t>
             </a:fld>
             <a:endParaRPr lang="en-US"/>
           </a:p>
@@ -1354,7 +1354,7 @@
           <a:p>
             <a:fld id="{5BCAD085-E8A6-8845-BD4E-CB4CCA059FC4}" type="datetimeFigureOut">
               <a:rPr lang="en-US" smtClean="0"/>
-              <a:t>7/8/2025</a:t>
+              <a:t>7/9/2025</a:t>
             </a:fld>
             <a:endParaRPr lang="en-US"/>
           </a:p>
@@ -1773,7 +1773,7 @@
           <a:p>
             <a:fld id="{5BCAD085-E8A6-8845-BD4E-CB4CCA059FC4}" type="datetimeFigureOut">
               <a:rPr lang="en-US" smtClean="0"/>
-              <a:t>7/8/2025</a:t>
+              <a:t>7/9/2025</a:t>
             </a:fld>
             <a:endParaRPr lang="en-US"/>
           </a:p>
@@ -1890,7 +1890,7 @@
           <a:p>
             <a:fld id="{5BCAD085-E8A6-8845-BD4E-CB4CCA059FC4}" type="datetimeFigureOut">
               <a:rPr lang="en-US" smtClean="0"/>
-              <a:t>7/8/2025</a:t>
+              <a:t>7/9/2025</a:t>
             </a:fld>
             <a:endParaRPr lang="en-US"/>
           </a:p>
@@ -1985,7 +1985,7 @@
           <a:p>
             <a:fld id="{5BCAD085-E8A6-8845-BD4E-CB4CCA059FC4}" type="datetimeFigureOut">
               <a:rPr lang="en-US" smtClean="0"/>
-              <a:t>7/8/2025</a:t>
+              <a:t>7/9/2025</a:t>
             </a:fld>
             <a:endParaRPr lang="en-US"/>
           </a:p>
@@ -2260,7 +2260,7 @@
           <a:p>
             <a:fld id="{5BCAD085-E8A6-8845-BD4E-CB4CCA059FC4}" type="datetimeFigureOut">
               <a:rPr lang="en-US" smtClean="0"/>
-              <a:t>7/8/2025</a:t>
+              <a:t>7/9/2025</a:t>
             </a:fld>
             <a:endParaRPr lang="en-US"/>
           </a:p>
@@ -2512,7 +2512,7 @@
           <a:p>
             <a:fld id="{5BCAD085-E8A6-8845-BD4E-CB4CCA059FC4}" type="datetimeFigureOut">
               <a:rPr lang="en-US" smtClean="0"/>
-              <a:t>7/8/2025</a:t>
+              <a:t>7/9/2025</a:t>
             </a:fld>
             <a:endParaRPr lang="en-US"/>
           </a:p>
@@ -2723,7 +2723,7 @@
           <a:p>
             <a:fld id="{5BCAD085-E8A6-8845-BD4E-CB4CCA059FC4}" type="datetimeFigureOut">
               <a:rPr lang="en-US" smtClean="0"/>
-              <a:t>7/8/2025</a:t>
+              <a:t>7/9/2025</a:t>
             </a:fld>
             <a:endParaRPr lang="en-US"/>
           </a:p>
@@ -3100,7 +3100,7 @@
       </p:grpSpPr>
       <p:sp>
         <p:nvSpPr>
-          <p:cNvPr id="2" name="Rectangle 1"/>
+          <p:cNvPr id="2" name="ELE_TITLE_SHAPE"/>
           <p:cNvSpPr/>
           <p:nvPr/>
         </p:nvSpPr>

--- a/template/Pre_DOI_Form_05_2024_v3.pptx
+++ b/template/Pre_DOI_Form_05_2024_v3.pptx
@@ -310,7 +310,7 @@
           <a:p>
             <a:fld id="{5BCAD085-E8A6-8845-BD4E-CB4CCA059FC4}" type="datetimeFigureOut">
               <a:rPr lang="en-US" smtClean="0"/>
-              <a:t>7/9/2025</a:t>
+              <a:t>7/13/2025</a:t>
             </a:fld>
             <a:endParaRPr lang="en-US"/>
           </a:p>
@@ -478,7 +478,7 @@
           <a:p>
             <a:fld id="{5BCAD085-E8A6-8845-BD4E-CB4CCA059FC4}" type="datetimeFigureOut">
               <a:rPr lang="en-US" smtClean="0"/>
-              <a:t>7/9/2025</a:t>
+              <a:t>7/13/2025</a:t>
             </a:fld>
             <a:endParaRPr lang="en-US"/>
           </a:p>
@@ -656,7 +656,7 @@
           <a:p>
             <a:fld id="{5BCAD085-E8A6-8845-BD4E-CB4CCA059FC4}" type="datetimeFigureOut">
               <a:rPr lang="en-US" smtClean="0"/>
-              <a:t>7/9/2025</a:t>
+              <a:t>7/13/2025</a:t>
             </a:fld>
             <a:endParaRPr lang="en-US"/>
           </a:p>
@@ -824,7 +824,7 @@
           <a:p>
             <a:fld id="{5BCAD085-E8A6-8845-BD4E-CB4CCA059FC4}" type="datetimeFigureOut">
               <a:rPr lang="en-US" smtClean="0"/>
-              <a:t>7/9/2025</a:t>
+              <a:t>7/13/2025</a:t>
             </a:fld>
             <a:endParaRPr lang="en-US"/>
           </a:p>
@@ -1069,7 +1069,7 @@
           <a:p>
             <a:fld id="{5BCAD085-E8A6-8845-BD4E-CB4CCA059FC4}" type="datetimeFigureOut">
               <a:rPr lang="en-US" smtClean="0"/>
-              <a:t>7/9/2025</a:t>
+              <a:t>7/13/2025</a:t>
             </a:fld>
             <a:endParaRPr lang="en-US"/>
           </a:p>
@@ -1354,7 +1354,7 @@
           <a:p>
             <a:fld id="{5BCAD085-E8A6-8845-BD4E-CB4CCA059FC4}" type="datetimeFigureOut">
               <a:rPr lang="en-US" smtClean="0"/>
-              <a:t>7/9/2025</a:t>
+              <a:t>7/13/2025</a:t>
             </a:fld>
             <a:endParaRPr lang="en-US"/>
           </a:p>
@@ -1773,7 +1773,7 @@
           <a:p>
             <a:fld id="{5BCAD085-E8A6-8845-BD4E-CB4CCA059FC4}" type="datetimeFigureOut">
               <a:rPr lang="en-US" smtClean="0"/>
-              <a:t>7/9/2025</a:t>
+              <a:t>7/13/2025</a:t>
             </a:fld>
             <a:endParaRPr lang="en-US"/>
           </a:p>
@@ -1890,7 +1890,7 @@
           <a:p>
             <a:fld id="{5BCAD085-E8A6-8845-BD4E-CB4CCA059FC4}" type="datetimeFigureOut">
               <a:rPr lang="en-US" smtClean="0"/>
-              <a:t>7/9/2025</a:t>
+              <a:t>7/13/2025</a:t>
             </a:fld>
             <a:endParaRPr lang="en-US"/>
           </a:p>
@@ -1985,7 +1985,7 @@
           <a:p>
             <a:fld id="{5BCAD085-E8A6-8845-BD4E-CB4CCA059FC4}" type="datetimeFigureOut">
               <a:rPr lang="en-US" smtClean="0"/>
-              <a:t>7/9/2025</a:t>
+              <a:t>7/13/2025</a:t>
             </a:fld>
             <a:endParaRPr lang="en-US"/>
           </a:p>
@@ -2260,7 +2260,7 @@
           <a:p>
             <a:fld id="{5BCAD085-E8A6-8845-BD4E-CB4CCA059FC4}" type="datetimeFigureOut">
               <a:rPr lang="en-US" smtClean="0"/>
-              <a:t>7/9/2025</a:t>
+              <a:t>7/13/2025</a:t>
             </a:fld>
             <a:endParaRPr lang="en-US"/>
           </a:p>
@@ -2512,7 +2512,7 @@
           <a:p>
             <a:fld id="{5BCAD085-E8A6-8845-BD4E-CB4CCA059FC4}" type="datetimeFigureOut">
               <a:rPr lang="en-US" smtClean="0"/>
-              <a:t>7/9/2025</a:t>
+              <a:t>7/13/2025</a:t>
             </a:fld>
             <a:endParaRPr lang="en-US"/>
           </a:p>
@@ -2723,7 +2723,7 @@
           <a:p>
             <a:fld id="{5BCAD085-E8A6-8845-BD4E-CB4CCA059FC4}" type="datetimeFigureOut">
               <a:rPr lang="en-US" smtClean="0"/>
-              <a:t>7/9/2025</a:t>
+              <a:t>7/13/2025</a:t>
             </a:fld>
             <a:endParaRPr lang="en-US"/>
           </a:p>
@@ -3152,7 +3152,13 @@
       </p:sp>
       <p:sp>
         <p:nvSpPr>
-          <p:cNvPr id="3" name="SLIDE_INFO"/>
+          <p:cNvPr id="3" name="SLIDE_INFO">
+            <a:extLst>
+              <a:ext uri="{FF2B5EF4-FFF2-40B4-BE49-F238E27FC236}">
+                <a16:creationId xmlns:a16="http://schemas.microsoft.com/office/drawing/2014/main" id="{C47863BF-D387-BFC0-A52D-86B8FB8B557D}"/>
+              </a:ext>
+            </a:extLst>
+          </p:cNvPr>
           <p:cNvSpPr/>
           <p:nvPr/>
         </p:nvSpPr>
@@ -3238,7 +3244,7 @@
         </p:nvGraphicFramePr>
         <p:xfrm>
           <a:off x="0" y="704850"/>
-          <a:ext cx="12192000" cy="3926088"/>
+          <a:ext cx="12192000" cy="3424311"/>
         </p:xfrm>
         <a:graphic>
           <a:graphicData uri="http://schemas.openxmlformats.org/drawingml/2006/table">
@@ -3254,35 +3260,35 @@
                     </a:ext>
                   </a:extLst>
                 </a:gridCol>
-                <a:gridCol w="2307771">
+                <a:gridCol w="2952827">
                   <a:extLst>
                     <a:ext uri="{9D8B030D-6E8A-4147-A177-3AD203B41FA5}">
                       <a16:colId xmlns:a16="http://schemas.microsoft.com/office/drawing/2014/main" val="20001"/>
                     </a:ext>
                   </a:extLst>
                 </a:gridCol>
-                <a:gridCol w="2063932">
+                <a:gridCol w="1884784">
                   <a:extLst>
                     <a:ext uri="{9D8B030D-6E8A-4147-A177-3AD203B41FA5}">
                       <a16:colId xmlns:a16="http://schemas.microsoft.com/office/drawing/2014/main" val="20002"/>
                     </a:ext>
                   </a:extLst>
                 </a:gridCol>
-                <a:gridCol w="2098765">
+                <a:gridCol w="2024743">
                   <a:extLst>
                     <a:ext uri="{9D8B030D-6E8A-4147-A177-3AD203B41FA5}">
                       <a16:colId xmlns:a16="http://schemas.microsoft.com/office/drawing/2014/main" val="20003"/>
                     </a:ext>
                   </a:extLst>
                 </a:gridCol>
-                <a:gridCol w="391886">
+                <a:gridCol w="298580">
                   <a:extLst>
                     <a:ext uri="{9D8B030D-6E8A-4147-A177-3AD203B41FA5}">
                       <a16:colId xmlns:a16="http://schemas.microsoft.com/office/drawing/2014/main" val="20004"/>
                     </a:ext>
                   </a:extLst>
                 </a:gridCol>
-                <a:gridCol w="4876800">
+                <a:gridCol w="4578220">
                   <a:extLst>
                     <a:ext uri="{9D8B030D-6E8A-4147-A177-3AD203B41FA5}">
                       <a16:colId xmlns:a16="http://schemas.microsoft.com/office/drawing/2014/main" val="20005"/>
@@ -3291,7 +3297,7 @@
                 </a:gridCol>
               </a:tblGrid>
               <a:tr h="1559379">
-                <a:tc gridSpan="5">
+                <a:tc gridSpan="4">
                   <a:txBody>
                     <a:bodyPr/>
                     <a:lstStyle/>
@@ -3448,17 +3454,7 @@
                   </a:txBody>
                   <a:tcPr/>
                 </a:tc>
-                <a:tc hMerge="1">
-                  <a:txBody>
-                    <a:bodyPr/>
-                    <a:lstStyle/>
-                    <a:p>
-                      <a:endParaRPr/>
-                    </a:p>
-                  </a:txBody>
-                  <a:tcPr/>
-                </a:tc>
-                <a:tc>
+                <a:tc gridSpan="2">
                   <a:txBody>
                     <a:bodyPr/>
                     <a:lstStyle/>
@@ -3587,6 +3583,16 @@
                     </a:solidFill>
                   </a:tcPr>
                 </a:tc>
+                <a:tc hMerge="1">
+                  <a:txBody>
+                    <a:bodyPr/>
+                    <a:lstStyle/>
+                    <a:p>
+                      <a:endParaRPr/>
+                    </a:p>
+                  </a:txBody>
+                  <a:tcPr/>
+                </a:tc>
                 <a:extLst>
                   <a:ext uri="{0D108BD9-81ED-4DB2-BD59-A6C34878D82A}">
                     <a16:rowId xmlns:a16="http://schemas.microsoft.com/office/drawing/2014/main" val="10000"/>
@@ -3673,7 +3679,15 @@
                     <a:lstStyle/>
                     <a:p>
                       <a:pPr algn="l"/>
-                      <a:endParaRPr/>
+                      <a:r>
+                        <a:rPr sz="1600" b="0">
+                          <a:solidFill>
+                            <a:srgbClr val="040404"/>
+                          </a:solidFill>
+                          <a:latin typeface="Calibri"/>
+                        </a:rPr>
+                        <a:t>ELE_DEPARTMENT_RUN_SAMPLE</a:t>
+                      </a:r>
                     </a:p>
                   </a:txBody>
                   <a:tcPr>
@@ -3834,7 +3848,15 @@
                     <a:lstStyle/>
                     <a:p>
                       <a:pPr algn="l"/>
-                      <a:endParaRPr/>
+                      <a:r>
+                        <a:rPr sz="1600" b="0">
+                          <a:solidFill>
+                            <a:srgbClr val="040404"/>
+                          </a:solidFill>
+                          <a:latin typeface="Calibri"/>
+                        </a:rPr>
+                        <a:t>ELE_PROJECTNAME_RUN_SAMPLE</a:t>
+                      </a:r>
                     </a:p>
                   </a:txBody>
                   <a:tcPr>
@@ -3995,7 +4017,15 @@
                     <a:lstStyle/>
                     <a:p>
                       <a:pPr algn="l"/>
-                      <a:endParaRPr/>
+                      <a:r>
+                        <a:rPr sz="1600" b="0">
+                          <a:solidFill>
+                            <a:srgbClr val="040404"/>
+                          </a:solidFill>
+                          <a:latin typeface="Calibri"/>
+                        </a:rPr>
+                        <a:t>ELE_INVENTION_TITLE_RUN_SAMPLE</a:t>
+                      </a:r>
                     </a:p>
                   </a:txBody>
                   <a:tcPr>
@@ -4266,7 +4296,7 @@
                     </a:solidFill>
                   </a:tcPr>
                 </a:tc>
-                <a:tc>
+                <a:tc gridSpan="2">
                   <a:txBody>
                     <a:bodyPr/>
                     <a:lstStyle/>
@@ -4329,7 +4359,17 @@
                     </a:solidFill>
                   </a:tcPr>
                 </a:tc>
-                <a:tc gridSpan="2">
+                <a:tc hMerge="1">
+                  <a:txBody>
+                    <a:bodyPr/>
+                    <a:lstStyle/>
+                    <a:p>
+                      <a:endParaRPr/>
+                    </a:p>
+                  </a:txBody>
+                  <a:tcPr/>
+                </a:tc>
+                <a:tc>
                   <a:txBody>
                     <a:bodyPr/>
                     <a:lstStyle/>
@@ -4408,16 +4448,6 @@
                     </a:solidFill>
                   </a:tcPr>
                 </a:tc>
-                <a:tc hMerge="1">
-                  <a:txBody>
-                    <a:bodyPr/>
-                    <a:lstStyle/>
-                    <a:p>
-                      <a:endParaRPr/>
-                    </a:p>
-                  </a:txBody>
-                  <a:tcPr/>
-                </a:tc>
                 <a:extLst>
                   <a:ext uri="{0D108BD9-81ED-4DB2-BD59-A6C34878D82A}">
                     <a16:rowId xmlns:a16="http://schemas.microsoft.com/office/drawing/2014/main" val="10004"/>
@@ -4490,7 +4520,15 @@
                     <a:lstStyle/>
                     <a:p>
                       <a:pPr algn="l"/>
-                      <a:endParaRPr/>
+                      <a:r>
+                        <a:rPr sz="1300">
+                          <a:solidFill>
+                            <a:srgbClr val="040404"/>
+                          </a:solidFill>
+                          <a:latin typeface="Calibri"/>
+                        </a:rPr>
+                        <a:t>ELE_INV_NAME_RUN_SAMPLE</a:t>
+                      </a:r>
                     </a:p>
                   </a:txBody>
                   <a:tcPr>
@@ -4540,59 +4578,20 @@
                     <a:bodyPr/>
                     <a:lstStyle/>
                     <a:p>
-                      <a:pPr algn="l"/>
-                      <a:endParaRPr/>
-                    </a:p>
-                  </a:txBody>
-                  <a:tcPr>
-                    <a:lnL w="19050" cap="flat" cmpd="sng" algn="ctr">
-                      <a:solidFill>
-                        <a:srgbClr val="82803A"/>
-                      </a:solidFill>
-                      <a:prstDash val="solid"/>
-                      <a:round/>
-                      <a:headEnd type="none" w="med" len="med"/>
-                      <a:tailEnd type="none" w="med" len="med"/>
-                    </a:lnL>
-                    <a:lnR w="19050" cap="flat" cmpd="sng" algn="ctr">
-                      <a:solidFill>
-                        <a:srgbClr val="82803A"/>
-                      </a:solidFill>
-                      <a:prstDash val="solid"/>
-                      <a:round/>
-                      <a:headEnd type="none" w="med" len="med"/>
-                      <a:tailEnd type="none" w="med" len="med"/>
-                    </a:lnR>
-                    <a:lnT w="19050" cap="flat" cmpd="sng" algn="ctr">
-                      <a:solidFill>
-                        <a:srgbClr val="82803A"/>
-                      </a:solidFill>
-                      <a:prstDash val="solid"/>
-                      <a:round/>
-                      <a:headEnd type="none" w="med" len="med"/>
-                      <a:tailEnd type="none" w="med" len="med"/>
-                    </a:lnT>
-                    <a:lnB w="19050" cap="flat" cmpd="sng" algn="ctr">
-                      <a:solidFill>
-                        <a:srgbClr val="82803A"/>
-                      </a:solidFill>
-                      <a:prstDash val="solid"/>
-                      <a:round/>
-                      <a:headEnd type="none" w="med" len="med"/>
-                      <a:tailEnd type="none" w="med" len="med"/>
-                    </a:lnB>
-                    <a:solidFill>
-                      <a:srgbClr val="F0F7ED"/>
-                    </a:solidFill>
-                  </a:tcPr>
-                </a:tc>
-                <a:tc>
-                  <a:txBody>
-                    <a:bodyPr/>
-                    <a:lstStyle/>
-                    <a:p>
-                      <a:pPr algn="l"/>
-                      <a:endParaRPr/>
+                      <a:pPr marL="0" indent="0" algn="l">
+                        <a:lnSpc>
+                          <a:spcPct val="100000"/>
+                        </a:lnSpc>
+                      </a:pPr>
+                      <a:r>
+                        <a:rPr sz="1400">
+                          <a:solidFill>
+                            <a:srgbClr val="040404"/>
+                          </a:solidFill>
+                          <a:latin typeface="Calibri"/>
+                        </a:rPr>
+                        <a:t>ELE_CR_RUN_SAMPLE</a:t>
+                      </a:r>
                     </a:p>
                   </a:txBody>
                   <a:tcPr>
@@ -4643,7 +4642,15 @@
                     <a:lstStyle/>
                     <a:p>
                       <a:pPr algn="l"/>
-                      <a:endParaRPr/>
+                      <a:r>
+                        <a:rPr sz="1400">
+                          <a:solidFill>
+                            <a:srgbClr val="040404"/>
+                          </a:solidFill>
+                          <a:latin typeface="Calibri"/>
+                        </a:rPr>
+                        <a:t>ELE_EM_ID_RUN_SAMPLE</a:t>
+                      </a:r>
                     </a:p>
                   </a:txBody>
                   <a:tcPr>
@@ -4698,13 +4705,6 @@
                   </a:txBody>
                   <a:tcPr/>
                 </a:tc>
-                <a:extLst>
-                  <a:ext uri="{0D108BD9-81ED-4DB2-BD59-A6C34878D82A}">
-                    <a16:rowId xmlns:a16="http://schemas.microsoft.com/office/drawing/2014/main" val="10005"/>
-                  </a:ext>
-                </a:extLst>
-              </a:tr>
-              <a:tr h="292100">
                 <a:tc>
                   <a:txBody>
                     <a:bodyPr/>
@@ -4718,7 +4718,7 @@
                           </a:solidFill>
                           <a:latin typeface="Calibri"/>
                         </a:rPr>
-                        <a:t>2</a:t>
+                        <a:t>ELE_EM_STAT_RUN_SAMPLE</a:t>
                       </a:r>
                     </a:p>
                   </a:txBody>
@@ -4764,223 +4764,9 @@
                     </a:solidFill>
                   </a:tcPr>
                 </a:tc>
-                <a:tc>
-                  <a:txBody>
-                    <a:bodyPr/>
-                    <a:lstStyle/>
-                    <a:p>
-                      <a:pPr algn="l"/>
-                      <a:endParaRPr/>
-                    </a:p>
-                  </a:txBody>
-                  <a:tcPr>
-                    <a:lnL w="19050" cap="flat" cmpd="sng" algn="ctr">
-                      <a:solidFill>
-                        <a:srgbClr val="82803A"/>
-                      </a:solidFill>
-                      <a:prstDash val="solid"/>
-                      <a:round/>
-                      <a:headEnd type="none" w="med" len="med"/>
-                      <a:tailEnd type="none" w="med" len="med"/>
-                    </a:lnL>
-                    <a:lnR w="19050" cap="flat" cmpd="sng" algn="ctr">
-                      <a:solidFill>
-                        <a:srgbClr val="82803A"/>
-                      </a:solidFill>
-                      <a:prstDash val="solid"/>
-                      <a:round/>
-                      <a:headEnd type="none" w="med" len="med"/>
-                      <a:tailEnd type="none" w="med" len="med"/>
-                    </a:lnR>
-                    <a:lnT w="19050" cap="flat" cmpd="sng" algn="ctr">
-                      <a:solidFill>
-                        <a:srgbClr val="82803A"/>
-                      </a:solidFill>
-                      <a:prstDash val="solid"/>
-                      <a:round/>
-                      <a:headEnd type="none" w="med" len="med"/>
-                      <a:tailEnd type="none" w="med" len="med"/>
-                    </a:lnT>
-                    <a:lnB w="19050" cap="flat" cmpd="sng" algn="ctr">
-                      <a:solidFill>
-                        <a:srgbClr val="82803A"/>
-                      </a:solidFill>
-                      <a:prstDash val="solid"/>
-                      <a:round/>
-                      <a:headEnd type="none" w="med" len="med"/>
-                      <a:tailEnd type="none" w="med" len="med"/>
-                    </a:lnB>
-                    <a:solidFill>
-                      <a:srgbClr val="F0F7ED"/>
-                    </a:solidFill>
-                  </a:tcPr>
-                </a:tc>
-                <a:tc>
-                  <a:txBody>
-                    <a:bodyPr/>
-                    <a:lstStyle/>
-                    <a:p>
-                      <a:pPr algn="l"/>
-                      <a:endParaRPr/>
-                    </a:p>
-                  </a:txBody>
-                  <a:tcPr>
-                    <a:lnL w="19050" cap="flat" cmpd="sng" algn="ctr">
-                      <a:solidFill>
-                        <a:srgbClr val="82803A"/>
-                      </a:solidFill>
-                      <a:prstDash val="solid"/>
-                      <a:round/>
-                      <a:headEnd type="none" w="med" len="med"/>
-                      <a:tailEnd type="none" w="med" len="med"/>
-                    </a:lnL>
-                    <a:lnR w="19050" cap="flat" cmpd="sng" algn="ctr">
-                      <a:solidFill>
-                        <a:srgbClr val="82803A"/>
-                      </a:solidFill>
-                      <a:prstDash val="solid"/>
-                      <a:round/>
-                      <a:headEnd type="none" w="med" len="med"/>
-                      <a:tailEnd type="none" w="med" len="med"/>
-                    </a:lnR>
-                    <a:lnT w="19050" cap="flat" cmpd="sng" algn="ctr">
-                      <a:solidFill>
-                        <a:srgbClr val="82803A"/>
-                      </a:solidFill>
-                      <a:prstDash val="solid"/>
-                      <a:round/>
-                      <a:headEnd type="none" w="med" len="med"/>
-                      <a:tailEnd type="none" w="med" len="med"/>
-                    </a:lnT>
-                    <a:lnB w="19050" cap="flat" cmpd="sng" algn="ctr">
-                      <a:solidFill>
-                        <a:srgbClr val="82803A"/>
-                      </a:solidFill>
-                      <a:prstDash val="solid"/>
-                      <a:round/>
-                      <a:headEnd type="none" w="med" len="med"/>
-                      <a:tailEnd type="none" w="med" len="med"/>
-                    </a:lnB>
-                    <a:solidFill>
-                      <a:srgbClr val="F0F7ED"/>
-                    </a:solidFill>
-                  </a:tcPr>
-                </a:tc>
-                <a:tc>
-                  <a:txBody>
-                    <a:bodyPr/>
-                    <a:lstStyle/>
-                    <a:p>
-                      <a:pPr algn="l"/>
-                      <a:endParaRPr/>
-                    </a:p>
-                  </a:txBody>
-                  <a:tcPr>
-                    <a:lnL w="19050" cap="flat" cmpd="sng" algn="ctr">
-                      <a:solidFill>
-                        <a:srgbClr val="82803A"/>
-                      </a:solidFill>
-                      <a:prstDash val="solid"/>
-                      <a:round/>
-                      <a:headEnd type="none" w="med" len="med"/>
-                      <a:tailEnd type="none" w="med" len="med"/>
-                    </a:lnL>
-                    <a:lnR w="19050" cap="flat" cmpd="sng" algn="ctr">
-                      <a:solidFill>
-                        <a:srgbClr val="82803A"/>
-                      </a:solidFill>
-                      <a:prstDash val="solid"/>
-                      <a:round/>
-                      <a:headEnd type="none" w="med" len="med"/>
-                      <a:tailEnd type="none" w="med" len="med"/>
-                    </a:lnR>
-                    <a:lnT w="19050" cap="flat" cmpd="sng" algn="ctr">
-                      <a:solidFill>
-                        <a:srgbClr val="82803A"/>
-                      </a:solidFill>
-                      <a:prstDash val="solid"/>
-                      <a:round/>
-                      <a:headEnd type="none" w="med" len="med"/>
-                      <a:tailEnd type="none" w="med" len="med"/>
-                    </a:lnT>
-                    <a:lnB w="19050" cap="flat" cmpd="sng" algn="ctr">
-                      <a:solidFill>
-                        <a:srgbClr val="82803A"/>
-                      </a:solidFill>
-                      <a:prstDash val="solid"/>
-                      <a:round/>
-                      <a:headEnd type="none" w="med" len="med"/>
-                      <a:tailEnd type="none" w="med" len="med"/>
-                    </a:lnB>
-                    <a:solidFill>
-                      <a:srgbClr val="F0F7ED"/>
-                    </a:solidFill>
-                  </a:tcPr>
-                </a:tc>
-                <a:tc gridSpan="2">
-                  <a:txBody>
-                    <a:bodyPr/>
-                    <a:lstStyle/>
-                    <a:p>
-                      <a:pPr algn="l"/>
-                      <a:endParaRPr/>
-                    </a:p>
-                  </a:txBody>
-                  <a:tcPr>
-                    <a:lnL w="19050" cap="flat" cmpd="sng" algn="ctr">
-                      <a:solidFill>
-                        <a:srgbClr val="82803A"/>
-                      </a:solidFill>
-                      <a:prstDash val="solid"/>
-                      <a:round/>
-                      <a:headEnd type="none" w="med" len="med"/>
-                      <a:tailEnd type="none" w="med" len="med"/>
-                    </a:lnL>
-                    <a:lnR w="19050" cap="flat" cmpd="sng" algn="ctr">
-                      <a:solidFill>
-                        <a:srgbClr val="82803A"/>
-                      </a:solidFill>
-                      <a:prstDash val="solid"/>
-                      <a:round/>
-                      <a:headEnd type="none" w="med" len="med"/>
-                      <a:tailEnd type="none" w="med" len="med"/>
-                    </a:lnR>
-                    <a:lnT w="19050" cap="flat" cmpd="sng" algn="ctr">
-                      <a:solidFill>
-                        <a:srgbClr val="82803A"/>
-                      </a:solidFill>
-                      <a:prstDash val="solid"/>
-                      <a:round/>
-                      <a:headEnd type="none" w="med" len="med"/>
-                      <a:tailEnd type="none" w="med" len="med"/>
-                    </a:lnT>
-                    <a:lnB w="19050" cap="flat" cmpd="sng" algn="ctr">
-                      <a:solidFill>
-                        <a:srgbClr val="82803A"/>
-                      </a:solidFill>
-                      <a:prstDash val="solid"/>
-                      <a:round/>
-                      <a:headEnd type="none" w="med" len="med"/>
-                      <a:tailEnd type="none" w="med" len="med"/>
-                    </a:lnB>
-                    <a:solidFill>
-                      <a:srgbClr val="F0F7ED"/>
-                    </a:solidFill>
-                  </a:tcPr>
-                </a:tc>
-                <a:tc hMerge="1">
-                  <a:txBody>
-                    <a:bodyPr/>
-                    <a:lstStyle/>
-                    <a:p>
-                      <a:endParaRPr/>
-                    </a:p>
-                  </a:txBody>
-                  <a:tcPr/>
-                </a:tc>
                 <a:extLst>
                   <a:ext uri="{0D108BD9-81ED-4DB2-BD59-A6C34878D82A}">
-                    <a16:rowId xmlns:a16="http://schemas.microsoft.com/office/drawing/2014/main" val="10006"/>
+                    <a16:rowId xmlns:a16="http://schemas.microsoft.com/office/drawing/2014/main" val="10005"/>
                   </a:ext>
                 </a:extLst>
               </a:tr>
@@ -5042,7 +4828,7 @@
       </p:sp>
       <p:sp>
         <p:nvSpPr>
-          <p:cNvPr id="4" name="TextBox 3"/>
+          <p:cNvPr id="4" name="TextBox 5"/>
           <p:cNvSpPr txBox="1"/>
           <p:nvPr/>
         </p:nvSpPr>
@@ -5087,7 +4873,7 @@
           <p:cNvPr id="5" name="SLIDE_INFO">
             <a:extLst>
               <a:ext uri="{FF2B5EF4-FFF2-40B4-BE49-F238E27FC236}">
-                <a16:creationId xmlns:a16="http://schemas.microsoft.com/office/drawing/2014/main" id="{C65EDAA7-97A8-8725-771B-82A4774FF994}"/>
+                <a16:creationId xmlns:a16="http://schemas.microsoft.com/office/drawing/2014/main" id="{3EC141AC-DBDA-FDD4-95B9-E59676B81611}"/>
               </a:ext>
             </a:extLst>
           </p:cNvPr>
@@ -5187,7 +4973,7 @@
       </p:grpSpPr>
       <p:sp>
         <p:nvSpPr>
-          <p:cNvPr id="2" name="Rectangle 1"/>
+          <p:cNvPr id="2" name="Rectangle 2"/>
           <p:cNvSpPr/>
           <p:nvPr/>
         </p:nvSpPr>
@@ -5239,7 +5025,7 @@
       </p:sp>
       <p:sp>
         <p:nvSpPr>
-          <p:cNvPr id="3" name="TextBox 2"/>
+          <p:cNvPr id="3" name="TextBox 5"/>
           <p:cNvSpPr txBox="1"/>
           <p:nvPr/>
         </p:nvSpPr>
@@ -5281,7 +5067,7 @@
       </p:sp>
       <p:sp>
         <p:nvSpPr>
-          <p:cNvPr id="4" name="TextBox 3"/>
+          <p:cNvPr id="4" name="Freeform 17"/>
           <p:cNvSpPr txBox="1"/>
           <p:nvPr/>
         </p:nvSpPr>
@@ -5379,7 +5165,7 @@
       </p:sp>
       <p:sp>
         <p:nvSpPr>
-          <p:cNvPr id="5" name="TextBox 4"/>
+          <p:cNvPr id="5" name="Freeform 18"/>
           <p:cNvSpPr txBox="1"/>
           <p:nvPr/>
         </p:nvSpPr>
@@ -5425,7 +5211,7 @@
       </p:sp>
       <p:sp>
         <p:nvSpPr>
-          <p:cNvPr id="6" name="TextBox 5"/>
+          <p:cNvPr id="6" name="Freeform 19"/>
           <p:cNvSpPr txBox="1"/>
           <p:nvPr/>
         </p:nvSpPr>
@@ -5523,7 +5309,7 @@
       </p:sp>
       <p:sp>
         <p:nvSpPr>
-          <p:cNvPr id="7" name="TextBox 6"/>
+          <p:cNvPr id="7" name="Freeform 20"/>
           <p:cNvSpPr txBox="1"/>
           <p:nvPr/>
         </p:nvSpPr>
@@ -5569,7 +5355,7 @@
       </p:sp>
       <p:sp>
         <p:nvSpPr>
-          <p:cNvPr id="8" name="Rectangle 7"/>
+          <p:cNvPr id="8" name="Rectangle 21"/>
           <p:cNvSpPr/>
           <p:nvPr/>
         </p:nvSpPr>
@@ -5609,13 +5395,16 @@
           <a:lstStyle/>
           <a:p>
             <a:pPr algn="l"/>
-            <a:endParaRPr/>
-          </a:p>
-        </p:txBody>
-      </p:sp>
-      <p:sp>
-        <p:nvSpPr>
-          <p:cNvPr id="9" name="TextBox 8"/>
+            <a:endParaRPr sz="1600">
+              <a:latin typeface="Calibri" panose="020F0502020204030204" pitchFamily="34" charset="0"/>
+              <a:cs typeface="Calibri" panose="020F0502020204030204" pitchFamily="34" charset="0"/>
+            </a:endParaRPr>
+          </a:p>
+        </p:txBody>
+      </p:sp>
+      <p:sp>
+        <p:nvSpPr>
+          <p:cNvPr id="9" name="Freeform 22"/>
           <p:cNvSpPr txBox="1"/>
           <p:nvPr/>
         </p:nvSpPr>
@@ -5661,7 +5450,7 @@
       </p:sp>
       <p:sp>
         <p:nvSpPr>
-          <p:cNvPr id="10" name="Rectangle 9"/>
+          <p:cNvPr id="10" name="Rectangle 23"/>
           <p:cNvSpPr/>
           <p:nvPr/>
         </p:nvSpPr>
@@ -5701,13 +5490,16 @@
           <a:lstStyle/>
           <a:p>
             <a:pPr algn="l"/>
-            <a:endParaRPr/>
-          </a:p>
-        </p:txBody>
-      </p:sp>
-      <p:sp>
-        <p:nvSpPr>
-          <p:cNvPr id="11" name="TextBox 10"/>
+            <a:endParaRPr sz="1600">
+              <a:latin typeface="Calibri" panose="020F0502020204030204" pitchFamily="34" charset="0"/>
+              <a:cs typeface="Calibri" panose="020F0502020204030204" pitchFamily="34" charset="0"/>
+            </a:endParaRPr>
+          </a:p>
+        </p:txBody>
+      </p:sp>
+      <p:sp>
+        <p:nvSpPr>
+          <p:cNvPr id="11" name="Freeform 24"/>
           <p:cNvSpPr txBox="1"/>
           <p:nvPr/>
         </p:nvSpPr>
@@ -5753,7 +5545,7 @@
       </p:sp>
       <p:sp>
         <p:nvSpPr>
-          <p:cNvPr id="12" name="Rectangle 11"/>
+          <p:cNvPr id="12" name="Rectangle 25"/>
           <p:cNvSpPr/>
           <p:nvPr/>
         </p:nvSpPr>
@@ -5793,13 +5585,16 @@
           <a:lstStyle/>
           <a:p>
             <a:pPr algn="l"/>
-            <a:endParaRPr/>
-          </a:p>
-        </p:txBody>
-      </p:sp>
-      <p:sp>
-        <p:nvSpPr>
-          <p:cNvPr id="13" name="TextBox 12"/>
+            <a:endParaRPr sz="1600">
+              <a:latin typeface="Calibri" panose="020F0502020204030204" pitchFamily="34" charset="0"/>
+              <a:cs typeface="Calibri" panose="020F0502020204030204" pitchFamily="34" charset="0"/>
+            </a:endParaRPr>
+          </a:p>
+        </p:txBody>
+      </p:sp>
+      <p:sp>
+        <p:nvSpPr>
+          <p:cNvPr id="13" name="Freeform 26"/>
           <p:cNvSpPr txBox="1"/>
           <p:nvPr/>
         </p:nvSpPr>
@@ -5870,7 +5665,7 @@
       </p:grpSpPr>
       <p:sp>
         <p:nvSpPr>
-          <p:cNvPr id="2" name="Rectangle 1"/>
+          <p:cNvPr id="2" name="Rectangle 2"/>
           <p:cNvSpPr/>
           <p:nvPr/>
         </p:nvSpPr>
@@ -5922,7 +5717,7 @@
       </p:sp>
       <p:sp>
         <p:nvSpPr>
-          <p:cNvPr id="3" name="TextBox 2"/>
+          <p:cNvPr id="3" name="TextBox 5"/>
           <p:cNvSpPr txBox="1"/>
           <p:nvPr/>
         </p:nvSpPr>
@@ -5968,11 +5763,17 @@
           <p:cNvGraphicFramePr>
             <a:graphicFrameLocks noGrp="1"/>
           </p:cNvGraphicFramePr>
-          <p:nvPr/>
+          <p:nvPr>
+            <p:extLst>
+              <p:ext uri="{D42A27DB-BD31-4B8C-83A1-F6EECF244321}">
+                <p14:modId xmlns:p14="http://schemas.microsoft.com/office/powerpoint/2010/main" val="1282267663"/>
+              </p:ext>
+            </p:extLst>
+          </p:nvPr>
         </p:nvGraphicFramePr>
         <p:xfrm>
           <a:off x="771525" y="847725"/>
-          <a:ext cx="10668000" cy="2494410"/>
+          <a:ext cx="10668000" cy="634810"/>
         </p:xfrm>
         <a:graphic>
           <a:graphicData uri="http://schemas.openxmlformats.org/drawingml/2006/table">
@@ -6246,591 +6047,6 @@
                   </a:ext>
                 </a:extLst>
               </a:tr>
-              <a:tr h="277601">
-                <a:tc>
-                  <a:txBody>
-                    <a:bodyPr/>
-                    <a:lstStyle/>
-                    <a:p>
-                      <a:pPr marL="0" algn="just">
-                        <a:lnSpc>
-                          <a:spcPct val="107000"/>
-                        </a:lnSpc>
-                      </a:pPr>
-                      <a:endParaRPr/>
-                    </a:p>
-                  </a:txBody>
-                  <a:tcPr>
-                    <a:lnL w="12700" cap="flat" cmpd="sng" algn="ctr">
-                      <a:solidFill>
-                        <a:srgbClr val="060602"/>
-                      </a:solidFill>
-                      <a:prstDash val="solid"/>
-                      <a:round/>
-                      <a:headEnd type="none" w="med" len="med"/>
-                      <a:tailEnd type="none" w="med" len="med"/>
-                    </a:lnL>
-                    <a:lnR w="12700" cap="flat" cmpd="sng" algn="ctr">
-                      <a:solidFill>
-                        <a:srgbClr val="060602"/>
-                      </a:solidFill>
-                      <a:prstDash val="solid"/>
-                      <a:round/>
-                      <a:headEnd type="none" w="med" len="med"/>
-                      <a:tailEnd type="none" w="med" len="med"/>
-                    </a:lnR>
-                    <a:lnT w="12700" cap="flat" cmpd="sng" algn="ctr">
-                      <a:solidFill>
-                        <a:srgbClr val="060602"/>
-                      </a:solidFill>
-                      <a:prstDash val="solid"/>
-                      <a:round/>
-                      <a:headEnd type="none" w="med" len="med"/>
-                      <a:tailEnd type="none" w="med" len="med"/>
-                    </a:lnT>
-                    <a:lnB w="12700" cap="flat" cmpd="sng" algn="ctr">
-                      <a:solidFill>
-                        <a:srgbClr val="060602"/>
-                      </a:solidFill>
-                      <a:prstDash val="solid"/>
-                      <a:round/>
-                      <a:headEnd type="none" w="med" len="med"/>
-                      <a:tailEnd type="none" w="med" len="med"/>
-                    </a:lnB>
-                    <a:solidFill>
-                      <a:srgbClr val="FFFFFF"/>
-                    </a:solidFill>
-                  </a:tcPr>
-                </a:tc>
-                <a:tc>
-                  <a:txBody>
-                    <a:bodyPr/>
-                    <a:lstStyle/>
-                    <a:p>
-                      <a:pPr marL="0" algn="just">
-                        <a:lnSpc>
-                          <a:spcPct val="107000"/>
-                        </a:lnSpc>
-                      </a:pPr>
-                      <a:endParaRPr/>
-                    </a:p>
-                  </a:txBody>
-                  <a:tcPr>
-                    <a:lnL w="12700" cap="flat" cmpd="sng" algn="ctr">
-                      <a:solidFill>
-                        <a:srgbClr val="060602"/>
-                      </a:solidFill>
-                      <a:prstDash val="solid"/>
-                      <a:round/>
-                      <a:headEnd type="none" w="med" len="med"/>
-                      <a:tailEnd type="none" w="med" len="med"/>
-                    </a:lnL>
-                    <a:lnR w="12700" cap="flat" cmpd="sng" algn="ctr">
-                      <a:solidFill>
-                        <a:srgbClr val="060602"/>
-                      </a:solidFill>
-                      <a:prstDash val="solid"/>
-                      <a:round/>
-                      <a:headEnd type="none" w="med" len="med"/>
-                      <a:tailEnd type="none" w="med" len="med"/>
-                    </a:lnR>
-                    <a:lnT w="12700" cap="flat" cmpd="sng" algn="ctr">
-                      <a:solidFill>
-                        <a:srgbClr val="060602"/>
-                      </a:solidFill>
-                      <a:prstDash val="solid"/>
-                      <a:round/>
-                      <a:headEnd type="none" w="med" len="med"/>
-                      <a:tailEnd type="none" w="med" len="med"/>
-                    </a:lnT>
-                    <a:lnB w="12700" cap="flat" cmpd="sng" algn="ctr">
-                      <a:solidFill>
-                        <a:srgbClr val="060602"/>
-                      </a:solidFill>
-                      <a:prstDash val="solid"/>
-                      <a:round/>
-                      <a:headEnd type="none" w="med" len="med"/>
-                      <a:tailEnd type="none" w="med" len="med"/>
-                    </a:lnB>
-                    <a:solidFill>
-                      <a:srgbClr val="FFFFFF"/>
-                    </a:solidFill>
-                  </a:tcPr>
-                </a:tc>
-                <a:extLst>
-                  <a:ext uri="{0D108BD9-81ED-4DB2-BD59-A6C34878D82A}">
-                    <a16:rowId xmlns:a16="http://schemas.microsoft.com/office/drawing/2014/main" val="10002"/>
-                  </a:ext>
-                </a:extLst>
-              </a:tr>
-              <a:tr h="277601">
-                <a:tc>
-                  <a:txBody>
-                    <a:bodyPr/>
-                    <a:lstStyle/>
-                    <a:p>
-                      <a:pPr marL="0" algn="just">
-                        <a:lnSpc>
-                          <a:spcPct val="107000"/>
-                        </a:lnSpc>
-                      </a:pPr>
-                      <a:endParaRPr/>
-                    </a:p>
-                  </a:txBody>
-                  <a:tcPr>
-                    <a:lnL w="12700" cap="flat" cmpd="sng" algn="ctr">
-                      <a:solidFill>
-                        <a:srgbClr val="060602"/>
-                      </a:solidFill>
-                      <a:prstDash val="solid"/>
-                      <a:round/>
-                      <a:headEnd type="none" w="med" len="med"/>
-                      <a:tailEnd type="none" w="med" len="med"/>
-                    </a:lnL>
-                    <a:lnR w="12700" cap="flat" cmpd="sng" algn="ctr">
-                      <a:solidFill>
-                        <a:srgbClr val="060602"/>
-                      </a:solidFill>
-                      <a:prstDash val="solid"/>
-                      <a:round/>
-                      <a:headEnd type="none" w="med" len="med"/>
-                      <a:tailEnd type="none" w="med" len="med"/>
-                    </a:lnR>
-                    <a:lnT w="12700" cap="flat" cmpd="sng" algn="ctr">
-                      <a:solidFill>
-                        <a:srgbClr val="060602"/>
-                      </a:solidFill>
-                      <a:prstDash val="solid"/>
-                      <a:round/>
-                      <a:headEnd type="none" w="med" len="med"/>
-                      <a:tailEnd type="none" w="med" len="med"/>
-                    </a:lnT>
-                    <a:lnB w="12700" cap="flat" cmpd="sng" algn="ctr">
-                      <a:solidFill>
-                        <a:srgbClr val="060602"/>
-                      </a:solidFill>
-                      <a:prstDash val="solid"/>
-                      <a:round/>
-                      <a:headEnd type="none" w="med" len="med"/>
-                      <a:tailEnd type="none" w="med" len="med"/>
-                    </a:lnB>
-                    <a:solidFill>
-                      <a:srgbClr val="FFFFFF"/>
-                    </a:solidFill>
-                  </a:tcPr>
-                </a:tc>
-                <a:tc>
-                  <a:txBody>
-                    <a:bodyPr/>
-                    <a:lstStyle/>
-                    <a:p>
-                      <a:pPr marL="0" algn="just">
-                        <a:lnSpc>
-                          <a:spcPct val="107000"/>
-                        </a:lnSpc>
-                      </a:pPr>
-                      <a:endParaRPr/>
-                    </a:p>
-                  </a:txBody>
-                  <a:tcPr>
-                    <a:lnL w="12700" cap="flat" cmpd="sng" algn="ctr">
-                      <a:solidFill>
-                        <a:srgbClr val="060602"/>
-                      </a:solidFill>
-                      <a:prstDash val="solid"/>
-                      <a:round/>
-                      <a:headEnd type="none" w="med" len="med"/>
-                      <a:tailEnd type="none" w="med" len="med"/>
-                    </a:lnL>
-                    <a:lnR w="12700" cap="flat" cmpd="sng" algn="ctr">
-                      <a:solidFill>
-                        <a:srgbClr val="060602"/>
-                      </a:solidFill>
-                      <a:prstDash val="solid"/>
-                      <a:round/>
-                      <a:headEnd type="none" w="med" len="med"/>
-                      <a:tailEnd type="none" w="med" len="med"/>
-                    </a:lnR>
-                    <a:lnT w="12700" cap="flat" cmpd="sng" algn="ctr">
-                      <a:solidFill>
-                        <a:srgbClr val="060602"/>
-                      </a:solidFill>
-                      <a:prstDash val="solid"/>
-                      <a:round/>
-                      <a:headEnd type="none" w="med" len="med"/>
-                      <a:tailEnd type="none" w="med" len="med"/>
-                    </a:lnT>
-                    <a:lnB w="12700" cap="flat" cmpd="sng" algn="ctr">
-                      <a:solidFill>
-                        <a:srgbClr val="060602"/>
-                      </a:solidFill>
-                      <a:prstDash val="solid"/>
-                      <a:round/>
-                      <a:headEnd type="none" w="med" len="med"/>
-                      <a:tailEnd type="none" w="med" len="med"/>
-                    </a:lnB>
-                    <a:solidFill>
-                      <a:srgbClr val="FFFFFF"/>
-                    </a:solidFill>
-                  </a:tcPr>
-                </a:tc>
-                <a:extLst>
-                  <a:ext uri="{0D108BD9-81ED-4DB2-BD59-A6C34878D82A}">
-                    <a16:rowId xmlns:a16="http://schemas.microsoft.com/office/drawing/2014/main" val="10003"/>
-                  </a:ext>
-                </a:extLst>
-              </a:tr>
-              <a:tr h="277601">
-                <a:tc>
-                  <a:txBody>
-                    <a:bodyPr/>
-                    <a:lstStyle/>
-                    <a:p>
-                      <a:pPr marL="0" algn="just">
-                        <a:lnSpc>
-                          <a:spcPct val="107000"/>
-                        </a:lnSpc>
-                      </a:pPr>
-                      <a:endParaRPr/>
-                    </a:p>
-                  </a:txBody>
-                  <a:tcPr>
-                    <a:lnL w="12700" cap="flat" cmpd="sng" algn="ctr">
-                      <a:solidFill>
-                        <a:srgbClr val="060602"/>
-                      </a:solidFill>
-                      <a:prstDash val="solid"/>
-                      <a:round/>
-                      <a:headEnd type="none" w="med" len="med"/>
-                      <a:tailEnd type="none" w="med" len="med"/>
-                    </a:lnL>
-                    <a:lnR w="12700" cap="flat" cmpd="sng" algn="ctr">
-                      <a:solidFill>
-                        <a:srgbClr val="060602"/>
-                      </a:solidFill>
-                      <a:prstDash val="solid"/>
-                      <a:round/>
-                      <a:headEnd type="none" w="med" len="med"/>
-                      <a:tailEnd type="none" w="med" len="med"/>
-                    </a:lnR>
-                    <a:lnT w="12700" cap="flat" cmpd="sng" algn="ctr">
-                      <a:solidFill>
-                        <a:srgbClr val="060602"/>
-                      </a:solidFill>
-                      <a:prstDash val="solid"/>
-                      <a:round/>
-                      <a:headEnd type="none" w="med" len="med"/>
-                      <a:tailEnd type="none" w="med" len="med"/>
-                    </a:lnT>
-                    <a:lnB w="12700" cap="flat" cmpd="sng" algn="ctr">
-                      <a:solidFill>
-                        <a:srgbClr val="060602"/>
-                      </a:solidFill>
-                      <a:prstDash val="solid"/>
-                      <a:round/>
-                      <a:headEnd type="none" w="med" len="med"/>
-                      <a:tailEnd type="none" w="med" len="med"/>
-                    </a:lnB>
-                    <a:solidFill>
-                      <a:srgbClr val="FFFFFF"/>
-                    </a:solidFill>
-                  </a:tcPr>
-                </a:tc>
-                <a:tc>
-                  <a:txBody>
-                    <a:bodyPr/>
-                    <a:lstStyle/>
-                    <a:p>
-                      <a:pPr marL="0" algn="just">
-                        <a:lnSpc>
-                          <a:spcPct val="107000"/>
-                        </a:lnSpc>
-                      </a:pPr>
-                      <a:endParaRPr/>
-                    </a:p>
-                  </a:txBody>
-                  <a:tcPr>
-                    <a:lnL w="12700" cap="flat" cmpd="sng" algn="ctr">
-                      <a:solidFill>
-                        <a:srgbClr val="060602"/>
-                      </a:solidFill>
-                      <a:prstDash val="solid"/>
-                      <a:round/>
-                      <a:headEnd type="none" w="med" len="med"/>
-                      <a:tailEnd type="none" w="med" len="med"/>
-                    </a:lnL>
-                    <a:lnR w="12700" cap="flat" cmpd="sng" algn="ctr">
-                      <a:solidFill>
-                        <a:srgbClr val="060602"/>
-                      </a:solidFill>
-                      <a:prstDash val="solid"/>
-                      <a:round/>
-                      <a:headEnd type="none" w="med" len="med"/>
-                      <a:tailEnd type="none" w="med" len="med"/>
-                    </a:lnR>
-                    <a:lnT w="12700" cap="flat" cmpd="sng" algn="ctr">
-                      <a:solidFill>
-                        <a:srgbClr val="060602"/>
-                      </a:solidFill>
-                      <a:prstDash val="solid"/>
-                      <a:round/>
-                      <a:headEnd type="none" w="med" len="med"/>
-                      <a:tailEnd type="none" w="med" len="med"/>
-                    </a:lnT>
-                    <a:lnB w="12700" cap="flat" cmpd="sng" algn="ctr">
-                      <a:solidFill>
-                        <a:srgbClr val="060602"/>
-                      </a:solidFill>
-                      <a:prstDash val="solid"/>
-                      <a:round/>
-                      <a:headEnd type="none" w="med" len="med"/>
-                      <a:tailEnd type="none" w="med" len="med"/>
-                    </a:lnB>
-                    <a:solidFill>
-                      <a:srgbClr val="FFFFFF"/>
-                    </a:solidFill>
-                  </a:tcPr>
-                </a:tc>
-                <a:extLst>
-                  <a:ext uri="{0D108BD9-81ED-4DB2-BD59-A6C34878D82A}">
-                    <a16:rowId xmlns:a16="http://schemas.microsoft.com/office/drawing/2014/main" val="10004"/>
-                  </a:ext>
-                </a:extLst>
-              </a:tr>
-              <a:tr h="263190">
-                <a:tc>
-                  <a:txBody>
-                    <a:bodyPr/>
-                    <a:lstStyle/>
-                    <a:p>
-                      <a:pPr marL="0" algn="just">
-                        <a:lnSpc>
-                          <a:spcPct val="107000"/>
-                        </a:lnSpc>
-                      </a:pPr>
-                      <a:endParaRPr/>
-                    </a:p>
-                  </a:txBody>
-                  <a:tcPr>
-                    <a:lnL w="12700" cap="flat" cmpd="sng" algn="ctr">
-                      <a:solidFill>
-                        <a:srgbClr val="060602"/>
-                      </a:solidFill>
-                      <a:prstDash val="solid"/>
-                      <a:round/>
-                      <a:headEnd type="none" w="med" len="med"/>
-                      <a:tailEnd type="none" w="med" len="med"/>
-                    </a:lnL>
-                    <a:lnR w="12700" cap="flat" cmpd="sng" algn="ctr">
-                      <a:solidFill>
-                        <a:srgbClr val="060602"/>
-                      </a:solidFill>
-                      <a:prstDash val="solid"/>
-                      <a:round/>
-                      <a:headEnd type="none" w="med" len="med"/>
-                      <a:tailEnd type="none" w="med" len="med"/>
-                    </a:lnR>
-                    <a:lnT w="12700" cap="flat" cmpd="sng" algn="ctr">
-                      <a:solidFill>
-                        <a:srgbClr val="060602"/>
-                      </a:solidFill>
-                      <a:prstDash val="solid"/>
-                      <a:round/>
-                      <a:headEnd type="none" w="med" len="med"/>
-                      <a:tailEnd type="none" w="med" len="med"/>
-                    </a:lnT>
-                    <a:lnB w="12700" cap="flat" cmpd="sng" algn="ctr">
-                      <a:solidFill>
-                        <a:srgbClr val="060602"/>
-                      </a:solidFill>
-                      <a:prstDash val="solid"/>
-                      <a:round/>
-                      <a:headEnd type="none" w="med" len="med"/>
-                      <a:tailEnd type="none" w="med" len="med"/>
-                    </a:lnB>
-                    <a:solidFill>
-                      <a:srgbClr val="FFFFFF"/>
-                    </a:solidFill>
-                  </a:tcPr>
-                </a:tc>
-                <a:tc>
-                  <a:txBody>
-                    <a:bodyPr/>
-                    <a:lstStyle/>
-                    <a:p>
-                      <a:pPr marL="0" algn="just">
-                        <a:lnSpc>
-                          <a:spcPct val="107000"/>
-                        </a:lnSpc>
-                      </a:pPr>
-                      <a:endParaRPr/>
-                    </a:p>
-                  </a:txBody>
-                  <a:tcPr>
-                    <a:lnL w="12700" cap="flat" cmpd="sng" algn="ctr">
-                      <a:solidFill>
-                        <a:srgbClr val="060602"/>
-                      </a:solidFill>
-                      <a:prstDash val="solid"/>
-                      <a:round/>
-                      <a:headEnd type="none" w="med" len="med"/>
-                      <a:tailEnd type="none" w="med" len="med"/>
-                    </a:lnL>
-                    <a:lnR w="12700" cap="flat" cmpd="sng" algn="ctr">
-                      <a:solidFill>
-                        <a:srgbClr val="060602"/>
-                      </a:solidFill>
-                      <a:prstDash val="solid"/>
-                      <a:round/>
-                      <a:headEnd type="none" w="med" len="med"/>
-                      <a:tailEnd type="none" w="med" len="med"/>
-                    </a:lnR>
-                    <a:lnT w="12700" cap="flat" cmpd="sng" algn="ctr">
-                      <a:solidFill>
-                        <a:srgbClr val="060602"/>
-                      </a:solidFill>
-                      <a:prstDash val="solid"/>
-                      <a:round/>
-                      <a:headEnd type="none" w="med" len="med"/>
-                      <a:tailEnd type="none" w="med" len="med"/>
-                    </a:lnT>
-                    <a:lnB w="12700" cap="flat" cmpd="sng" algn="ctr">
-                      <a:solidFill>
-                        <a:srgbClr val="060602"/>
-                      </a:solidFill>
-                      <a:prstDash val="solid"/>
-                      <a:round/>
-                      <a:headEnd type="none" w="med" len="med"/>
-                      <a:tailEnd type="none" w="med" len="med"/>
-                    </a:lnB>
-                    <a:solidFill>
-                      <a:srgbClr val="FFFFFF"/>
-                    </a:solidFill>
-                  </a:tcPr>
-                </a:tc>
-                <a:extLst>
-                  <a:ext uri="{0D108BD9-81ED-4DB2-BD59-A6C34878D82A}">
-                    <a16:rowId xmlns:a16="http://schemas.microsoft.com/office/drawing/2014/main" val="10005"/>
-                  </a:ext>
-                </a:extLst>
-              </a:tr>
-              <a:tr h="263190">
-                <a:tc>
-                  <a:txBody>
-                    <a:bodyPr/>
-                    <a:lstStyle/>
-                    <a:p>
-                      <a:pPr marL="0" algn="just">
-                        <a:lnSpc>
-                          <a:spcPct val="107000"/>
-                        </a:lnSpc>
-                      </a:pPr>
-                      <a:endParaRPr/>
-                    </a:p>
-                  </a:txBody>
-                  <a:tcPr>
-                    <a:lnL w="12700" cap="flat" cmpd="sng" algn="ctr">
-                      <a:solidFill>
-                        <a:srgbClr val="060602"/>
-                      </a:solidFill>
-                      <a:prstDash val="solid"/>
-                      <a:round/>
-                      <a:headEnd type="none" w="med" len="med"/>
-                      <a:tailEnd type="none" w="med" len="med"/>
-                    </a:lnL>
-                    <a:lnR w="12700" cap="flat" cmpd="sng" algn="ctr">
-                      <a:solidFill>
-                        <a:srgbClr val="060602"/>
-                      </a:solidFill>
-                      <a:prstDash val="solid"/>
-                      <a:round/>
-                      <a:headEnd type="none" w="med" len="med"/>
-                      <a:tailEnd type="none" w="med" len="med"/>
-                    </a:lnR>
-                    <a:lnT w="12700" cap="flat" cmpd="sng" algn="ctr">
-                      <a:solidFill>
-                        <a:srgbClr val="060602"/>
-                      </a:solidFill>
-                      <a:prstDash val="solid"/>
-                      <a:round/>
-                      <a:headEnd type="none" w="med" len="med"/>
-                      <a:tailEnd type="none" w="med" len="med"/>
-                    </a:lnT>
-                    <a:lnB w="12700" cap="flat" cmpd="sng" algn="ctr">
-                      <a:solidFill>
-                        <a:srgbClr val="060602"/>
-                      </a:solidFill>
-                      <a:prstDash val="solid"/>
-                      <a:round/>
-                      <a:headEnd type="none" w="med" len="med"/>
-                      <a:tailEnd type="none" w="med" len="med"/>
-                    </a:lnB>
-                    <a:solidFill>
-                      <a:srgbClr val="FFFFFF"/>
-                    </a:solidFill>
-                  </a:tcPr>
-                </a:tc>
-                <a:tc>
-                  <a:txBody>
-                    <a:bodyPr/>
-                    <a:lstStyle/>
-                    <a:p>
-                      <a:pPr marL="0" algn="just">
-                        <a:lnSpc>
-                          <a:spcPct val="107000"/>
-                        </a:lnSpc>
-                      </a:pPr>
-                      <a:endParaRPr/>
-                    </a:p>
-                  </a:txBody>
-                  <a:tcPr>
-                    <a:lnL w="12700" cap="flat" cmpd="sng" algn="ctr">
-                      <a:solidFill>
-                        <a:srgbClr val="060602"/>
-                      </a:solidFill>
-                      <a:prstDash val="solid"/>
-                      <a:round/>
-                      <a:headEnd type="none" w="med" len="med"/>
-                      <a:tailEnd type="none" w="med" len="med"/>
-                    </a:lnL>
-                    <a:lnR w="12700" cap="flat" cmpd="sng" algn="ctr">
-                      <a:solidFill>
-                        <a:srgbClr val="060602"/>
-                      </a:solidFill>
-                      <a:prstDash val="solid"/>
-                      <a:round/>
-                      <a:headEnd type="none" w="med" len="med"/>
-                      <a:tailEnd type="none" w="med" len="med"/>
-                    </a:lnR>
-                    <a:lnT w="12700" cap="flat" cmpd="sng" algn="ctr">
-                      <a:solidFill>
-                        <a:srgbClr val="060602"/>
-                      </a:solidFill>
-                      <a:prstDash val="solid"/>
-                      <a:round/>
-                      <a:headEnd type="none" w="med" len="med"/>
-                      <a:tailEnd type="none" w="med" len="med"/>
-                    </a:lnT>
-                    <a:lnB w="12700" cap="flat" cmpd="sng" algn="ctr">
-                      <a:solidFill>
-                        <a:srgbClr val="060602"/>
-                      </a:solidFill>
-                      <a:prstDash val="solid"/>
-                      <a:round/>
-                      <a:headEnd type="none" w="med" len="med"/>
-                      <a:tailEnd type="none" w="med" len="med"/>
-                    </a:lnB>
-                    <a:solidFill>
-                      <a:srgbClr val="FFFFFF"/>
-                    </a:solidFill>
-                  </a:tcPr>
-                </a:tc>
-                <a:extLst>
-                  <a:ext uri="{0D108BD9-81ED-4DB2-BD59-A6C34878D82A}">
-                    <a16:rowId xmlns:a16="http://schemas.microsoft.com/office/drawing/2014/main" val="10006"/>
-                  </a:ext>
-                </a:extLst>
-              </a:tr>
             </a:tbl>
           </a:graphicData>
         </a:graphic>
@@ -6840,7 +6056,7 @@
           <p:cNvPr id="5" name="SLIDE_INFO">
             <a:extLst>
               <a:ext uri="{FF2B5EF4-FFF2-40B4-BE49-F238E27FC236}">
-                <a16:creationId xmlns:a16="http://schemas.microsoft.com/office/drawing/2014/main" id="{7BFFAE9F-2E8B-A4BF-A00B-DFC5242E9FDB}"/>
+                <a16:creationId xmlns:a16="http://schemas.microsoft.com/office/drawing/2014/main" id="{A93BBC62-17EE-7676-20BD-BA3D81A286E5}"/>
               </a:ext>
             </a:extLst>
           </p:cNvPr>
@@ -6940,7 +6156,7 @@
       </p:grpSpPr>
       <p:sp>
         <p:nvSpPr>
-          <p:cNvPr id="2" name="Rectangle 1"/>
+          <p:cNvPr id="2" name="Rectangle 2"/>
           <p:cNvSpPr/>
           <p:nvPr/>
         </p:nvSpPr>
@@ -6992,7 +6208,7 @@
       </p:sp>
       <p:sp>
         <p:nvSpPr>
-          <p:cNvPr id="3" name="TextBox 2"/>
+          <p:cNvPr id="3" name="TextBox 5"/>
           <p:cNvSpPr txBox="1"/>
           <p:nvPr/>
         </p:nvSpPr>
@@ -7038,11 +6254,17 @@
           <p:cNvGraphicFramePr>
             <a:graphicFrameLocks noGrp="1"/>
           </p:cNvGraphicFramePr>
-          <p:nvPr/>
+          <p:nvPr>
+            <p:extLst>
+              <p:ext uri="{D42A27DB-BD31-4B8C-83A1-F6EECF244321}">
+                <p14:modId xmlns:p14="http://schemas.microsoft.com/office/powerpoint/2010/main" val="3569922329"/>
+              </p:ext>
+            </p:extLst>
+          </p:nvPr>
         </p:nvGraphicFramePr>
         <p:xfrm>
           <a:off x="771525" y="847725"/>
-          <a:ext cx="10668000" cy="2494410"/>
+          <a:ext cx="10668000" cy="634810"/>
         </p:xfrm>
         <a:graphic>
           <a:graphicData uri="http://schemas.openxmlformats.org/drawingml/2006/table">
@@ -7316,591 +6538,6 @@
                   </a:ext>
                 </a:extLst>
               </a:tr>
-              <a:tr h="277601">
-                <a:tc>
-                  <a:txBody>
-                    <a:bodyPr/>
-                    <a:lstStyle/>
-                    <a:p>
-                      <a:pPr marL="0" algn="just">
-                        <a:lnSpc>
-                          <a:spcPct val="107000"/>
-                        </a:lnSpc>
-                      </a:pPr>
-                      <a:endParaRPr/>
-                    </a:p>
-                  </a:txBody>
-                  <a:tcPr>
-                    <a:lnL w="12700" cap="flat" cmpd="sng" algn="ctr">
-                      <a:solidFill>
-                        <a:srgbClr val="060602"/>
-                      </a:solidFill>
-                      <a:prstDash val="solid"/>
-                      <a:round/>
-                      <a:headEnd type="none" w="med" len="med"/>
-                      <a:tailEnd type="none" w="med" len="med"/>
-                    </a:lnL>
-                    <a:lnR w="12700" cap="flat" cmpd="sng" algn="ctr">
-                      <a:solidFill>
-                        <a:srgbClr val="060602"/>
-                      </a:solidFill>
-                      <a:prstDash val="solid"/>
-                      <a:round/>
-                      <a:headEnd type="none" w="med" len="med"/>
-                      <a:tailEnd type="none" w="med" len="med"/>
-                    </a:lnR>
-                    <a:lnT w="12700" cap="flat" cmpd="sng" algn="ctr">
-                      <a:solidFill>
-                        <a:srgbClr val="060602"/>
-                      </a:solidFill>
-                      <a:prstDash val="solid"/>
-                      <a:round/>
-                      <a:headEnd type="none" w="med" len="med"/>
-                      <a:tailEnd type="none" w="med" len="med"/>
-                    </a:lnT>
-                    <a:lnB w="12700" cap="flat" cmpd="sng" algn="ctr">
-                      <a:solidFill>
-                        <a:srgbClr val="060602"/>
-                      </a:solidFill>
-                      <a:prstDash val="solid"/>
-                      <a:round/>
-                      <a:headEnd type="none" w="med" len="med"/>
-                      <a:tailEnd type="none" w="med" len="med"/>
-                    </a:lnB>
-                    <a:solidFill>
-                      <a:srgbClr val="FFFFFF"/>
-                    </a:solidFill>
-                  </a:tcPr>
-                </a:tc>
-                <a:tc>
-                  <a:txBody>
-                    <a:bodyPr/>
-                    <a:lstStyle/>
-                    <a:p>
-                      <a:pPr marL="0" algn="just">
-                        <a:lnSpc>
-                          <a:spcPct val="107000"/>
-                        </a:lnSpc>
-                      </a:pPr>
-                      <a:endParaRPr/>
-                    </a:p>
-                  </a:txBody>
-                  <a:tcPr>
-                    <a:lnL w="12700" cap="flat" cmpd="sng" algn="ctr">
-                      <a:solidFill>
-                        <a:srgbClr val="060602"/>
-                      </a:solidFill>
-                      <a:prstDash val="solid"/>
-                      <a:round/>
-                      <a:headEnd type="none" w="med" len="med"/>
-                      <a:tailEnd type="none" w="med" len="med"/>
-                    </a:lnL>
-                    <a:lnR w="12700" cap="flat" cmpd="sng" algn="ctr">
-                      <a:solidFill>
-                        <a:srgbClr val="060602"/>
-                      </a:solidFill>
-                      <a:prstDash val="solid"/>
-                      <a:round/>
-                      <a:headEnd type="none" w="med" len="med"/>
-                      <a:tailEnd type="none" w="med" len="med"/>
-                    </a:lnR>
-                    <a:lnT w="12700" cap="flat" cmpd="sng" algn="ctr">
-                      <a:solidFill>
-                        <a:srgbClr val="060602"/>
-                      </a:solidFill>
-                      <a:prstDash val="solid"/>
-                      <a:round/>
-                      <a:headEnd type="none" w="med" len="med"/>
-                      <a:tailEnd type="none" w="med" len="med"/>
-                    </a:lnT>
-                    <a:lnB w="12700" cap="flat" cmpd="sng" algn="ctr">
-                      <a:solidFill>
-                        <a:srgbClr val="060602"/>
-                      </a:solidFill>
-                      <a:prstDash val="solid"/>
-                      <a:round/>
-                      <a:headEnd type="none" w="med" len="med"/>
-                      <a:tailEnd type="none" w="med" len="med"/>
-                    </a:lnB>
-                    <a:solidFill>
-                      <a:srgbClr val="FFFFFF"/>
-                    </a:solidFill>
-                  </a:tcPr>
-                </a:tc>
-                <a:extLst>
-                  <a:ext uri="{0D108BD9-81ED-4DB2-BD59-A6C34878D82A}">
-                    <a16:rowId xmlns:a16="http://schemas.microsoft.com/office/drawing/2014/main" val="10002"/>
-                  </a:ext>
-                </a:extLst>
-              </a:tr>
-              <a:tr h="277601">
-                <a:tc>
-                  <a:txBody>
-                    <a:bodyPr/>
-                    <a:lstStyle/>
-                    <a:p>
-                      <a:pPr marL="0" algn="just">
-                        <a:lnSpc>
-                          <a:spcPct val="107000"/>
-                        </a:lnSpc>
-                      </a:pPr>
-                      <a:endParaRPr/>
-                    </a:p>
-                  </a:txBody>
-                  <a:tcPr>
-                    <a:lnL w="12700" cap="flat" cmpd="sng" algn="ctr">
-                      <a:solidFill>
-                        <a:srgbClr val="060602"/>
-                      </a:solidFill>
-                      <a:prstDash val="solid"/>
-                      <a:round/>
-                      <a:headEnd type="none" w="med" len="med"/>
-                      <a:tailEnd type="none" w="med" len="med"/>
-                    </a:lnL>
-                    <a:lnR w="12700" cap="flat" cmpd="sng" algn="ctr">
-                      <a:solidFill>
-                        <a:srgbClr val="060602"/>
-                      </a:solidFill>
-                      <a:prstDash val="solid"/>
-                      <a:round/>
-                      <a:headEnd type="none" w="med" len="med"/>
-                      <a:tailEnd type="none" w="med" len="med"/>
-                    </a:lnR>
-                    <a:lnT w="12700" cap="flat" cmpd="sng" algn="ctr">
-                      <a:solidFill>
-                        <a:srgbClr val="060602"/>
-                      </a:solidFill>
-                      <a:prstDash val="solid"/>
-                      <a:round/>
-                      <a:headEnd type="none" w="med" len="med"/>
-                      <a:tailEnd type="none" w="med" len="med"/>
-                    </a:lnT>
-                    <a:lnB w="12700" cap="flat" cmpd="sng" algn="ctr">
-                      <a:solidFill>
-                        <a:srgbClr val="060602"/>
-                      </a:solidFill>
-                      <a:prstDash val="solid"/>
-                      <a:round/>
-                      <a:headEnd type="none" w="med" len="med"/>
-                      <a:tailEnd type="none" w="med" len="med"/>
-                    </a:lnB>
-                    <a:solidFill>
-                      <a:srgbClr val="FFFFFF"/>
-                    </a:solidFill>
-                  </a:tcPr>
-                </a:tc>
-                <a:tc>
-                  <a:txBody>
-                    <a:bodyPr/>
-                    <a:lstStyle/>
-                    <a:p>
-                      <a:pPr marL="0" algn="just">
-                        <a:lnSpc>
-                          <a:spcPct val="107000"/>
-                        </a:lnSpc>
-                      </a:pPr>
-                      <a:endParaRPr/>
-                    </a:p>
-                  </a:txBody>
-                  <a:tcPr>
-                    <a:lnL w="12700" cap="flat" cmpd="sng" algn="ctr">
-                      <a:solidFill>
-                        <a:srgbClr val="060602"/>
-                      </a:solidFill>
-                      <a:prstDash val="solid"/>
-                      <a:round/>
-                      <a:headEnd type="none" w="med" len="med"/>
-                      <a:tailEnd type="none" w="med" len="med"/>
-                    </a:lnL>
-                    <a:lnR w="12700" cap="flat" cmpd="sng" algn="ctr">
-                      <a:solidFill>
-                        <a:srgbClr val="060602"/>
-                      </a:solidFill>
-                      <a:prstDash val="solid"/>
-                      <a:round/>
-                      <a:headEnd type="none" w="med" len="med"/>
-                      <a:tailEnd type="none" w="med" len="med"/>
-                    </a:lnR>
-                    <a:lnT w="12700" cap="flat" cmpd="sng" algn="ctr">
-                      <a:solidFill>
-                        <a:srgbClr val="060602"/>
-                      </a:solidFill>
-                      <a:prstDash val="solid"/>
-                      <a:round/>
-                      <a:headEnd type="none" w="med" len="med"/>
-                      <a:tailEnd type="none" w="med" len="med"/>
-                    </a:lnT>
-                    <a:lnB w="12700" cap="flat" cmpd="sng" algn="ctr">
-                      <a:solidFill>
-                        <a:srgbClr val="060602"/>
-                      </a:solidFill>
-                      <a:prstDash val="solid"/>
-                      <a:round/>
-                      <a:headEnd type="none" w="med" len="med"/>
-                      <a:tailEnd type="none" w="med" len="med"/>
-                    </a:lnB>
-                    <a:solidFill>
-                      <a:srgbClr val="FFFFFF"/>
-                    </a:solidFill>
-                  </a:tcPr>
-                </a:tc>
-                <a:extLst>
-                  <a:ext uri="{0D108BD9-81ED-4DB2-BD59-A6C34878D82A}">
-                    <a16:rowId xmlns:a16="http://schemas.microsoft.com/office/drawing/2014/main" val="10003"/>
-                  </a:ext>
-                </a:extLst>
-              </a:tr>
-              <a:tr h="277601">
-                <a:tc>
-                  <a:txBody>
-                    <a:bodyPr/>
-                    <a:lstStyle/>
-                    <a:p>
-                      <a:pPr marL="0" algn="just">
-                        <a:lnSpc>
-                          <a:spcPct val="107000"/>
-                        </a:lnSpc>
-                      </a:pPr>
-                      <a:endParaRPr/>
-                    </a:p>
-                  </a:txBody>
-                  <a:tcPr>
-                    <a:lnL w="12700" cap="flat" cmpd="sng" algn="ctr">
-                      <a:solidFill>
-                        <a:srgbClr val="060602"/>
-                      </a:solidFill>
-                      <a:prstDash val="solid"/>
-                      <a:round/>
-                      <a:headEnd type="none" w="med" len="med"/>
-                      <a:tailEnd type="none" w="med" len="med"/>
-                    </a:lnL>
-                    <a:lnR w="12700" cap="flat" cmpd="sng" algn="ctr">
-                      <a:solidFill>
-                        <a:srgbClr val="060602"/>
-                      </a:solidFill>
-                      <a:prstDash val="solid"/>
-                      <a:round/>
-                      <a:headEnd type="none" w="med" len="med"/>
-                      <a:tailEnd type="none" w="med" len="med"/>
-                    </a:lnR>
-                    <a:lnT w="12700" cap="flat" cmpd="sng" algn="ctr">
-                      <a:solidFill>
-                        <a:srgbClr val="060602"/>
-                      </a:solidFill>
-                      <a:prstDash val="solid"/>
-                      <a:round/>
-                      <a:headEnd type="none" w="med" len="med"/>
-                      <a:tailEnd type="none" w="med" len="med"/>
-                    </a:lnT>
-                    <a:lnB w="12700" cap="flat" cmpd="sng" algn="ctr">
-                      <a:solidFill>
-                        <a:srgbClr val="060602"/>
-                      </a:solidFill>
-                      <a:prstDash val="solid"/>
-                      <a:round/>
-                      <a:headEnd type="none" w="med" len="med"/>
-                      <a:tailEnd type="none" w="med" len="med"/>
-                    </a:lnB>
-                    <a:solidFill>
-                      <a:srgbClr val="FFFFFF"/>
-                    </a:solidFill>
-                  </a:tcPr>
-                </a:tc>
-                <a:tc>
-                  <a:txBody>
-                    <a:bodyPr/>
-                    <a:lstStyle/>
-                    <a:p>
-                      <a:pPr marL="0" algn="just">
-                        <a:lnSpc>
-                          <a:spcPct val="107000"/>
-                        </a:lnSpc>
-                      </a:pPr>
-                      <a:endParaRPr/>
-                    </a:p>
-                  </a:txBody>
-                  <a:tcPr>
-                    <a:lnL w="12700" cap="flat" cmpd="sng" algn="ctr">
-                      <a:solidFill>
-                        <a:srgbClr val="060602"/>
-                      </a:solidFill>
-                      <a:prstDash val="solid"/>
-                      <a:round/>
-                      <a:headEnd type="none" w="med" len="med"/>
-                      <a:tailEnd type="none" w="med" len="med"/>
-                    </a:lnL>
-                    <a:lnR w="12700" cap="flat" cmpd="sng" algn="ctr">
-                      <a:solidFill>
-                        <a:srgbClr val="060602"/>
-                      </a:solidFill>
-                      <a:prstDash val="solid"/>
-                      <a:round/>
-                      <a:headEnd type="none" w="med" len="med"/>
-                      <a:tailEnd type="none" w="med" len="med"/>
-                    </a:lnR>
-                    <a:lnT w="12700" cap="flat" cmpd="sng" algn="ctr">
-                      <a:solidFill>
-                        <a:srgbClr val="060602"/>
-                      </a:solidFill>
-                      <a:prstDash val="solid"/>
-                      <a:round/>
-                      <a:headEnd type="none" w="med" len="med"/>
-                      <a:tailEnd type="none" w="med" len="med"/>
-                    </a:lnT>
-                    <a:lnB w="12700" cap="flat" cmpd="sng" algn="ctr">
-                      <a:solidFill>
-                        <a:srgbClr val="060602"/>
-                      </a:solidFill>
-                      <a:prstDash val="solid"/>
-                      <a:round/>
-                      <a:headEnd type="none" w="med" len="med"/>
-                      <a:tailEnd type="none" w="med" len="med"/>
-                    </a:lnB>
-                    <a:solidFill>
-                      <a:srgbClr val="FFFFFF"/>
-                    </a:solidFill>
-                  </a:tcPr>
-                </a:tc>
-                <a:extLst>
-                  <a:ext uri="{0D108BD9-81ED-4DB2-BD59-A6C34878D82A}">
-                    <a16:rowId xmlns:a16="http://schemas.microsoft.com/office/drawing/2014/main" val="10004"/>
-                  </a:ext>
-                </a:extLst>
-              </a:tr>
-              <a:tr h="263190">
-                <a:tc>
-                  <a:txBody>
-                    <a:bodyPr/>
-                    <a:lstStyle/>
-                    <a:p>
-                      <a:pPr marL="0" algn="just">
-                        <a:lnSpc>
-                          <a:spcPct val="107000"/>
-                        </a:lnSpc>
-                      </a:pPr>
-                      <a:endParaRPr/>
-                    </a:p>
-                  </a:txBody>
-                  <a:tcPr>
-                    <a:lnL w="12700" cap="flat" cmpd="sng" algn="ctr">
-                      <a:solidFill>
-                        <a:srgbClr val="060602"/>
-                      </a:solidFill>
-                      <a:prstDash val="solid"/>
-                      <a:round/>
-                      <a:headEnd type="none" w="med" len="med"/>
-                      <a:tailEnd type="none" w="med" len="med"/>
-                    </a:lnL>
-                    <a:lnR w="12700" cap="flat" cmpd="sng" algn="ctr">
-                      <a:solidFill>
-                        <a:srgbClr val="060602"/>
-                      </a:solidFill>
-                      <a:prstDash val="solid"/>
-                      <a:round/>
-                      <a:headEnd type="none" w="med" len="med"/>
-                      <a:tailEnd type="none" w="med" len="med"/>
-                    </a:lnR>
-                    <a:lnT w="12700" cap="flat" cmpd="sng" algn="ctr">
-                      <a:solidFill>
-                        <a:srgbClr val="060602"/>
-                      </a:solidFill>
-                      <a:prstDash val="solid"/>
-                      <a:round/>
-                      <a:headEnd type="none" w="med" len="med"/>
-                      <a:tailEnd type="none" w="med" len="med"/>
-                    </a:lnT>
-                    <a:lnB w="12700" cap="flat" cmpd="sng" algn="ctr">
-                      <a:solidFill>
-                        <a:srgbClr val="060602"/>
-                      </a:solidFill>
-                      <a:prstDash val="solid"/>
-                      <a:round/>
-                      <a:headEnd type="none" w="med" len="med"/>
-                      <a:tailEnd type="none" w="med" len="med"/>
-                    </a:lnB>
-                    <a:solidFill>
-                      <a:srgbClr val="FFFFFF"/>
-                    </a:solidFill>
-                  </a:tcPr>
-                </a:tc>
-                <a:tc>
-                  <a:txBody>
-                    <a:bodyPr/>
-                    <a:lstStyle/>
-                    <a:p>
-                      <a:pPr marL="0" algn="just">
-                        <a:lnSpc>
-                          <a:spcPct val="107000"/>
-                        </a:lnSpc>
-                      </a:pPr>
-                      <a:endParaRPr/>
-                    </a:p>
-                  </a:txBody>
-                  <a:tcPr>
-                    <a:lnL w="12700" cap="flat" cmpd="sng" algn="ctr">
-                      <a:solidFill>
-                        <a:srgbClr val="060602"/>
-                      </a:solidFill>
-                      <a:prstDash val="solid"/>
-                      <a:round/>
-                      <a:headEnd type="none" w="med" len="med"/>
-                      <a:tailEnd type="none" w="med" len="med"/>
-                    </a:lnL>
-                    <a:lnR w="12700" cap="flat" cmpd="sng" algn="ctr">
-                      <a:solidFill>
-                        <a:srgbClr val="060602"/>
-                      </a:solidFill>
-                      <a:prstDash val="solid"/>
-                      <a:round/>
-                      <a:headEnd type="none" w="med" len="med"/>
-                      <a:tailEnd type="none" w="med" len="med"/>
-                    </a:lnR>
-                    <a:lnT w="12700" cap="flat" cmpd="sng" algn="ctr">
-                      <a:solidFill>
-                        <a:srgbClr val="060602"/>
-                      </a:solidFill>
-                      <a:prstDash val="solid"/>
-                      <a:round/>
-                      <a:headEnd type="none" w="med" len="med"/>
-                      <a:tailEnd type="none" w="med" len="med"/>
-                    </a:lnT>
-                    <a:lnB w="12700" cap="flat" cmpd="sng" algn="ctr">
-                      <a:solidFill>
-                        <a:srgbClr val="060602"/>
-                      </a:solidFill>
-                      <a:prstDash val="solid"/>
-                      <a:round/>
-                      <a:headEnd type="none" w="med" len="med"/>
-                      <a:tailEnd type="none" w="med" len="med"/>
-                    </a:lnB>
-                    <a:solidFill>
-                      <a:srgbClr val="FFFFFF"/>
-                    </a:solidFill>
-                  </a:tcPr>
-                </a:tc>
-                <a:extLst>
-                  <a:ext uri="{0D108BD9-81ED-4DB2-BD59-A6C34878D82A}">
-                    <a16:rowId xmlns:a16="http://schemas.microsoft.com/office/drawing/2014/main" val="10005"/>
-                  </a:ext>
-                </a:extLst>
-              </a:tr>
-              <a:tr h="263190">
-                <a:tc>
-                  <a:txBody>
-                    <a:bodyPr/>
-                    <a:lstStyle/>
-                    <a:p>
-                      <a:pPr marL="0" algn="just">
-                        <a:lnSpc>
-                          <a:spcPct val="107000"/>
-                        </a:lnSpc>
-                      </a:pPr>
-                      <a:endParaRPr/>
-                    </a:p>
-                  </a:txBody>
-                  <a:tcPr>
-                    <a:lnL w="12700" cap="flat" cmpd="sng" algn="ctr">
-                      <a:solidFill>
-                        <a:srgbClr val="060602"/>
-                      </a:solidFill>
-                      <a:prstDash val="solid"/>
-                      <a:round/>
-                      <a:headEnd type="none" w="med" len="med"/>
-                      <a:tailEnd type="none" w="med" len="med"/>
-                    </a:lnL>
-                    <a:lnR w="12700" cap="flat" cmpd="sng" algn="ctr">
-                      <a:solidFill>
-                        <a:srgbClr val="060602"/>
-                      </a:solidFill>
-                      <a:prstDash val="solid"/>
-                      <a:round/>
-                      <a:headEnd type="none" w="med" len="med"/>
-                      <a:tailEnd type="none" w="med" len="med"/>
-                    </a:lnR>
-                    <a:lnT w="12700" cap="flat" cmpd="sng" algn="ctr">
-                      <a:solidFill>
-                        <a:srgbClr val="060602"/>
-                      </a:solidFill>
-                      <a:prstDash val="solid"/>
-                      <a:round/>
-                      <a:headEnd type="none" w="med" len="med"/>
-                      <a:tailEnd type="none" w="med" len="med"/>
-                    </a:lnT>
-                    <a:lnB w="12700" cap="flat" cmpd="sng" algn="ctr">
-                      <a:solidFill>
-                        <a:srgbClr val="060602"/>
-                      </a:solidFill>
-                      <a:prstDash val="solid"/>
-                      <a:round/>
-                      <a:headEnd type="none" w="med" len="med"/>
-                      <a:tailEnd type="none" w="med" len="med"/>
-                    </a:lnB>
-                    <a:solidFill>
-                      <a:srgbClr val="FFFFFF"/>
-                    </a:solidFill>
-                  </a:tcPr>
-                </a:tc>
-                <a:tc>
-                  <a:txBody>
-                    <a:bodyPr/>
-                    <a:lstStyle/>
-                    <a:p>
-                      <a:pPr marL="0" algn="just">
-                        <a:lnSpc>
-                          <a:spcPct val="107000"/>
-                        </a:lnSpc>
-                      </a:pPr>
-                      <a:endParaRPr/>
-                    </a:p>
-                  </a:txBody>
-                  <a:tcPr>
-                    <a:lnL w="12700" cap="flat" cmpd="sng" algn="ctr">
-                      <a:solidFill>
-                        <a:srgbClr val="060602"/>
-                      </a:solidFill>
-                      <a:prstDash val="solid"/>
-                      <a:round/>
-                      <a:headEnd type="none" w="med" len="med"/>
-                      <a:tailEnd type="none" w="med" len="med"/>
-                    </a:lnL>
-                    <a:lnR w="12700" cap="flat" cmpd="sng" algn="ctr">
-                      <a:solidFill>
-                        <a:srgbClr val="060602"/>
-                      </a:solidFill>
-                      <a:prstDash val="solid"/>
-                      <a:round/>
-                      <a:headEnd type="none" w="med" len="med"/>
-                      <a:tailEnd type="none" w="med" len="med"/>
-                    </a:lnR>
-                    <a:lnT w="12700" cap="flat" cmpd="sng" algn="ctr">
-                      <a:solidFill>
-                        <a:srgbClr val="060602"/>
-                      </a:solidFill>
-                      <a:prstDash val="solid"/>
-                      <a:round/>
-                      <a:headEnd type="none" w="med" len="med"/>
-                      <a:tailEnd type="none" w="med" len="med"/>
-                    </a:lnT>
-                    <a:lnB w="12700" cap="flat" cmpd="sng" algn="ctr">
-                      <a:solidFill>
-                        <a:srgbClr val="060602"/>
-                      </a:solidFill>
-                      <a:prstDash val="solid"/>
-                      <a:round/>
-                      <a:headEnd type="none" w="med" len="med"/>
-                      <a:tailEnd type="none" w="med" len="med"/>
-                    </a:lnB>
-                    <a:solidFill>
-                      <a:srgbClr val="FFFFFF"/>
-                    </a:solidFill>
-                  </a:tcPr>
-                </a:tc>
-                <a:extLst>
-                  <a:ext uri="{0D108BD9-81ED-4DB2-BD59-A6C34878D82A}">
-                    <a16:rowId xmlns:a16="http://schemas.microsoft.com/office/drawing/2014/main" val="10006"/>
-                  </a:ext>
-                </a:extLst>
-              </a:tr>
             </a:tbl>
           </a:graphicData>
         </a:graphic>
@@ -7910,7 +6547,7 @@
           <p:cNvPr id="5" name="SLIDE_INFO">
             <a:extLst>
               <a:ext uri="{FF2B5EF4-FFF2-40B4-BE49-F238E27FC236}">
-                <a16:creationId xmlns:a16="http://schemas.microsoft.com/office/drawing/2014/main" id="{1A447E7A-CA9F-CFC5-8FE0-C88E82065A21}"/>
+                <a16:creationId xmlns:a16="http://schemas.microsoft.com/office/drawing/2014/main" id="{F02A11EC-12E2-F962-D5EA-67D96E878A5D}"/>
               </a:ext>
             </a:extLst>
           </p:cNvPr>
@@ -8010,7 +6647,7 @@
       </p:grpSpPr>
       <p:sp>
         <p:nvSpPr>
-          <p:cNvPr id="2" name="Rectangle 1"/>
+          <p:cNvPr id="2" name="Rectangle 2"/>
           <p:cNvSpPr/>
           <p:nvPr/>
         </p:nvSpPr>
@@ -8062,7 +6699,7 @@
       </p:sp>
       <p:sp>
         <p:nvSpPr>
-          <p:cNvPr id="3" name="TextBox 2"/>
+          <p:cNvPr id="3" name="TextBox 5"/>
           <p:cNvSpPr txBox="1"/>
           <p:nvPr/>
         </p:nvSpPr>
@@ -8104,7 +6741,7 @@
       </p:sp>
       <p:sp>
         <p:nvSpPr>
-          <p:cNvPr id="4" name="Rectangle 3"/>
+          <p:cNvPr id="4" name="HeaderBox"/>
           <p:cNvSpPr/>
           <p:nvPr/>
         </p:nvSpPr>
@@ -8158,7 +6795,7 @@
       </p:sp>
       <p:sp>
         <p:nvSpPr>
-          <p:cNvPr id="5" name="Rectangle 4"/>
+          <p:cNvPr id="5" name="ContentBox"/>
           <p:cNvSpPr/>
           <p:nvPr/>
         </p:nvSpPr>
@@ -8207,7 +6844,7 @@
           <p:cNvPr id="6" name="SLIDE_INFO">
             <a:extLst>
               <a:ext uri="{FF2B5EF4-FFF2-40B4-BE49-F238E27FC236}">
-                <a16:creationId xmlns:a16="http://schemas.microsoft.com/office/drawing/2014/main" id="{943BEB2C-9B66-D11D-4DCB-DFE93E296F22}"/>
+                <a16:creationId xmlns:a16="http://schemas.microsoft.com/office/drawing/2014/main" id="{97A5D21B-B239-CFB2-511C-FE7A3E9BB122}"/>
               </a:ext>
             </a:extLst>
           </p:cNvPr>
@@ -8307,7 +6944,7 @@
       </p:grpSpPr>
       <p:sp>
         <p:nvSpPr>
-          <p:cNvPr id="2" name="Rectangle 1"/>
+          <p:cNvPr id="2" name="Rectangle 2"/>
           <p:cNvSpPr/>
           <p:nvPr/>
         </p:nvSpPr>
@@ -8359,7 +6996,7 @@
       </p:sp>
       <p:sp>
         <p:nvSpPr>
-          <p:cNvPr id="3" name="TextBox 2"/>
+          <p:cNvPr id="3" name="TextBox 5"/>
           <p:cNvSpPr txBox="1"/>
           <p:nvPr/>
         </p:nvSpPr>
@@ -8401,7 +7038,7 @@
       </p:sp>
       <p:sp>
         <p:nvSpPr>
-          <p:cNvPr id="4" name="Rectangle 3"/>
+          <p:cNvPr id="4" name="HeaderBox"/>
           <p:cNvSpPr/>
           <p:nvPr/>
         </p:nvSpPr>
@@ -8455,7 +7092,7 @@
       </p:sp>
       <p:sp>
         <p:nvSpPr>
-          <p:cNvPr id="5" name="Rectangle 4"/>
+          <p:cNvPr id="5" name="ContentBox"/>
           <p:cNvSpPr/>
           <p:nvPr/>
         </p:nvSpPr>
@@ -8501,10 +7138,10 @@
       </p:sp>
       <p:sp>
         <p:nvSpPr>
-          <p:cNvPr id="6" name="SLIDE_INFO">
+          <p:cNvPr id="7" name="SLIDE_INFO">
             <a:extLst>
               <a:ext uri="{FF2B5EF4-FFF2-40B4-BE49-F238E27FC236}">
-                <a16:creationId xmlns:a16="http://schemas.microsoft.com/office/drawing/2014/main" id="{44021494-5FC4-CB86-2429-799A22636F83}"/>
+                <a16:creationId xmlns:a16="http://schemas.microsoft.com/office/drawing/2014/main" id="{651D16DC-B4B8-C329-81EB-9811555FEAD3}"/>
               </a:ext>
             </a:extLst>
           </p:cNvPr>
@@ -8563,7 +7200,7 @@
                 <a:latin typeface="Calibri" panose="020F0502020204030204" pitchFamily="34" charset="0"/>
                 <a:cs typeface="Calibri" panose="020F0502020204030204" pitchFamily="34" charset="0"/>
               </a:rPr>
-              <a:t>bg_problem_slide</a:t>
+              <a:t>bg_problem_field_slide</a:t>
             </a:r>
             <a:r>
               <a:rPr sz="1000">
@@ -8604,7 +7241,7 @@
       </p:grpSpPr>
       <p:sp>
         <p:nvSpPr>
-          <p:cNvPr id="2" name="Rectangle 1"/>
+          <p:cNvPr id="2" name="Rectangle 2"/>
           <p:cNvSpPr/>
           <p:nvPr/>
         </p:nvSpPr>
@@ -8656,7 +7293,7 @@
       </p:sp>
       <p:sp>
         <p:nvSpPr>
-          <p:cNvPr id="3" name="TextBox 2"/>
+          <p:cNvPr id="3" name="TextBox 5"/>
           <p:cNvSpPr txBox="1"/>
           <p:nvPr/>
         </p:nvSpPr>
@@ -8698,7 +7335,7 @@
       </p:sp>
       <p:sp>
         <p:nvSpPr>
-          <p:cNvPr id="4" name="Rectangle 3"/>
+          <p:cNvPr id="4" name="HeaderBox"/>
           <p:cNvSpPr/>
           <p:nvPr/>
         </p:nvSpPr>
@@ -8752,7 +7389,7 @@
       </p:sp>
       <p:sp>
         <p:nvSpPr>
-          <p:cNvPr id="5" name="Rectangle 4"/>
+          <p:cNvPr id="5" name="ContentBox"/>
           <p:cNvSpPr/>
           <p:nvPr/>
         </p:nvSpPr>
@@ -8801,7 +7438,7 @@
           <p:cNvPr id="6" name="SLIDE_INFO">
             <a:extLst>
               <a:ext uri="{FF2B5EF4-FFF2-40B4-BE49-F238E27FC236}">
-                <a16:creationId xmlns:a16="http://schemas.microsoft.com/office/drawing/2014/main" id="{FF175EF2-8675-5BD6-2B4D-2F78B7443ACD}"/>
+                <a16:creationId xmlns:a16="http://schemas.microsoft.com/office/drawing/2014/main" id="{B62C04FE-338C-7F07-09CF-309B1DE92ACC}"/>
               </a:ext>
             </a:extLst>
           </p:cNvPr>
@@ -8901,7 +7538,7 @@
       </p:grpSpPr>
       <p:sp>
         <p:nvSpPr>
-          <p:cNvPr id="2" name="Rectangle 1"/>
+          <p:cNvPr id="2" name="Rectangle 2"/>
           <p:cNvSpPr/>
           <p:nvPr/>
         </p:nvSpPr>
@@ -8953,7 +7590,7 @@
       </p:sp>
       <p:sp>
         <p:nvSpPr>
-          <p:cNvPr id="3" name="TextBox 2"/>
+          <p:cNvPr id="3" name="TextBox 5"/>
           <p:cNvSpPr txBox="1"/>
           <p:nvPr/>
         </p:nvSpPr>
@@ -8995,7 +7632,7 @@
       </p:sp>
       <p:sp>
         <p:nvSpPr>
-          <p:cNvPr id="4" name="Rectangle 3"/>
+          <p:cNvPr id="4" name="HeaderBox"/>
           <p:cNvSpPr/>
           <p:nvPr/>
         </p:nvSpPr>
@@ -9049,7 +7686,7 @@
       </p:sp>
       <p:sp>
         <p:nvSpPr>
-          <p:cNvPr id="5" name="Rectangle 4"/>
+          <p:cNvPr id="5" name="ContentBox"/>
           <p:cNvSpPr/>
           <p:nvPr/>
         </p:nvSpPr>
@@ -9098,7 +7735,7 @@
           <p:cNvPr id="6" name="SLIDE_INFO">
             <a:extLst>
               <a:ext uri="{FF2B5EF4-FFF2-40B4-BE49-F238E27FC236}">
-                <a16:creationId xmlns:a16="http://schemas.microsoft.com/office/drawing/2014/main" id="{D54C6298-E649-F8D7-AA6E-84A990BC5833}"/>
+                <a16:creationId xmlns:a16="http://schemas.microsoft.com/office/drawing/2014/main" id="{42B66AFD-2054-3564-EED2-7C92ACF977BE}"/>
               </a:ext>
             </a:extLst>
           </p:cNvPr>

--- a/template/Pre_DOI_Form_05_2024_v3.pptx
+++ b/template/Pre_DOI_Form_05_2024_v3.pptx
@@ -3236,11 +3236,17 @@
       </p:grpSpPr>
       <p:graphicFrame>
         <p:nvGraphicFramePr>
-          <p:cNvPr id="2" name="Table 1"/>
+          <p:cNvPr id="2" name="ELE_BASICINFO_TABLE"/>
           <p:cNvGraphicFramePr>
             <a:graphicFrameLocks noGrp="1"/>
           </p:cNvGraphicFramePr>
-          <p:nvPr/>
+          <p:nvPr>
+            <p:extLst>
+              <p:ext uri="{D42A27DB-BD31-4B8C-83A1-F6EECF244321}">
+                <p14:modId xmlns:p14="http://schemas.microsoft.com/office/powerpoint/2010/main" val="2614552836"/>
+              </p:ext>
+            </p:extLst>
+          </p:nvPr>
         </p:nvGraphicFramePr>
         <p:xfrm>
           <a:off x="0" y="704850"/>
@@ -5759,21 +5765,21 @@
       </p:sp>
       <p:graphicFrame>
         <p:nvGraphicFramePr>
-          <p:cNvPr id="4" name="Table 3"/>
+          <p:cNvPr id="4" name="ELE_ABBREVIATION_TABLE"/>
           <p:cNvGraphicFramePr>
             <a:graphicFrameLocks noGrp="1"/>
           </p:cNvGraphicFramePr>
           <p:nvPr>
             <p:extLst>
               <p:ext uri="{D42A27DB-BD31-4B8C-83A1-F6EECF244321}">
-                <p14:modId xmlns:p14="http://schemas.microsoft.com/office/powerpoint/2010/main" val="1282267663"/>
+                <p14:modId xmlns:p14="http://schemas.microsoft.com/office/powerpoint/2010/main" val="534184054"/>
               </p:ext>
             </p:extLst>
           </p:nvPr>
         </p:nvGraphicFramePr>
         <p:xfrm>
           <a:off x="771525" y="847725"/>
-          <a:ext cx="10668000" cy="634810"/>
+          <a:ext cx="10668000" cy="603631"/>
         </p:xfrm>
         <a:graphic>
           <a:graphicData uri="http://schemas.openxmlformats.org/drawingml/2006/table">
@@ -5941,7 +5947,10 @@
                           <a:spcPct val="107000"/>
                         </a:lnSpc>
                       </a:pPr>
-                      <a:endParaRPr/>
+                      <a:endParaRPr sz="1600">
+                        <a:latin typeface="Calibri" panose="020F0502020204030204" pitchFamily="34" charset="0"/>
+                        <a:cs typeface="Calibri" panose="020F0502020204030204" pitchFamily="34" charset="0"/>
+                      </a:endParaRPr>
                     </a:p>
                   </a:txBody>
                   <a:tcPr>
@@ -5996,7 +6005,10 @@
                           <a:spcPct val="107000"/>
                         </a:lnSpc>
                       </a:pPr>
-                      <a:endParaRPr/>
+                      <a:endParaRPr sz="1600">
+                        <a:latin typeface="Calibri" panose="020F0502020204030204" pitchFamily="34" charset="0"/>
+                        <a:cs typeface="Calibri" panose="020F0502020204030204" pitchFamily="34" charset="0"/>
+                      </a:endParaRPr>
                     </a:p>
                   </a:txBody>
                   <a:tcPr>
@@ -6250,21 +6262,21 @@
       </p:sp>
       <p:graphicFrame>
         <p:nvGraphicFramePr>
-          <p:cNvPr id="4" name="Table 3"/>
+          <p:cNvPr id="4" name="ELE_APEENDIX_TABLE"/>
           <p:cNvGraphicFramePr>
             <a:graphicFrameLocks noGrp="1"/>
           </p:cNvGraphicFramePr>
           <p:nvPr>
             <p:extLst>
               <p:ext uri="{D42A27DB-BD31-4B8C-83A1-F6EECF244321}">
-                <p14:modId xmlns:p14="http://schemas.microsoft.com/office/powerpoint/2010/main" val="3569922329"/>
+                <p14:modId xmlns:p14="http://schemas.microsoft.com/office/powerpoint/2010/main" val="1307125561"/>
               </p:ext>
             </p:extLst>
           </p:nvPr>
         </p:nvGraphicFramePr>
         <p:xfrm>
           <a:off x="771525" y="847725"/>
-          <a:ext cx="10668000" cy="634810"/>
+          <a:ext cx="10668000" cy="603631"/>
         </p:xfrm>
         <a:graphic>
           <a:graphicData uri="http://schemas.openxmlformats.org/drawingml/2006/table">
@@ -6432,7 +6444,10 @@
                           <a:spcPct val="107000"/>
                         </a:lnSpc>
                       </a:pPr>
-                      <a:endParaRPr/>
+                      <a:endParaRPr sz="1600">
+                        <a:latin typeface="Calibri" panose="020F0502020204030204" pitchFamily="34" charset="0"/>
+                        <a:cs typeface="Calibri" panose="020F0502020204030204" pitchFamily="34" charset="0"/>
+                      </a:endParaRPr>
                     </a:p>
                   </a:txBody>
                   <a:tcPr>
@@ -6487,7 +6502,10 @@
                           <a:spcPct val="107000"/>
                         </a:lnSpc>
                       </a:pPr>
-                      <a:endParaRPr/>
+                      <a:endParaRPr sz="1600">
+                        <a:latin typeface="Calibri" panose="020F0502020204030204" pitchFamily="34" charset="0"/>
+                        <a:cs typeface="Calibri" panose="020F0502020204030204" pitchFamily="34" charset="0"/>
+                      </a:endParaRPr>
                     </a:p>
                   </a:txBody>
                   <a:tcPr>
@@ -6835,7 +6853,13 @@
           <a:lstStyle/>
           <a:p>
             <a:pPr algn="ctr"/>
-            <a:endParaRPr/>
+            <a:endParaRPr sz="1600">
+              <a:solidFill>
+                <a:srgbClr val="000000"/>
+              </a:solidFill>
+              <a:latin typeface="Calibri" panose="020F0502020204030204" pitchFamily="34" charset="0"/>
+              <a:cs typeface="Calibri" panose="020F0502020204030204" pitchFamily="34" charset="0"/>
+            </a:endParaRPr>
           </a:p>
         </p:txBody>
       </p:sp>
@@ -6914,6 +6938,114 @@
               </a:rPr>
               <a:t>"}</a:t>
             </a:r>
+          </a:p>
+        </p:txBody>
+      </p:sp>
+      <p:sp>
+        <p:nvSpPr>
+          <p:cNvPr id="7" name="ELE_VERTICAL_TEXT_AREA">
+            <a:extLst>
+              <a:ext uri="{FF2B5EF4-FFF2-40B4-BE49-F238E27FC236}">
+                <a16:creationId xmlns:a16="http://schemas.microsoft.com/office/drawing/2014/main" id="{63DF1604-DC1D-62A4-4229-F32468113F1D}"/>
+              </a:ext>
+            </a:extLst>
+          </p:cNvPr>
+          <p:cNvSpPr/>
+          <p:nvPr/>
+        </p:nvSpPr>
+        <p:spPr>
+          <a:xfrm>
+            <a:off x="1276352" y="704849"/>
+            <a:ext cx="6732268" cy="6153150"/>
+          </a:xfrm>
+          <a:prstGeom prst="rect">
+            <a:avLst/>
+          </a:prstGeom>
+          <a:noFill/>
+          <a:ln w="28575">
+            <a:noFill/>
+          </a:ln>
+          <a:effectLst/>
+        </p:spPr>
+        <p:style>
+          <a:lnRef idx="1">
+            <a:schemeClr val="accent1"/>
+          </a:lnRef>
+          <a:fillRef idx="3">
+            <a:schemeClr val="accent1"/>
+          </a:fillRef>
+          <a:effectRef idx="2">
+            <a:schemeClr val="accent1"/>
+          </a:effectRef>
+          <a:fontRef idx="minor">
+            <a:schemeClr val="lt1"/>
+          </a:fontRef>
+        </p:style>
+        <p:txBody>
+          <a:bodyPr rtlCol="0" anchor="t"/>
+          <a:lstStyle/>
+          <a:p>
+            <a:endParaRPr sz="1600">
+              <a:solidFill>
+                <a:srgbClr val="000000"/>
+              </a:solidFill>
+              <a:latin typeface="Calibri" panose="020F0502020204030204" pitchFamily="34" charset="0"/>
+              <a:cs typeface="Calibri" panose="020F0502020204030204" pitchFamily="34" charset="0"/>
+            </a:endParaRPr>
+          </a:p>
+        </p:txBody>
+      </p:sp>
+      <p:sp>
+        <p:nvSpPr>
+          <p:cNvPr id="8" name="ELE_VERTICAL_IMAGE_AREA">
+            <a:extLst>
+              <a:ext uri="{FF2B5EF4-FFF2-40B4-BE49-F238E27FC236}">
+                <a16:creationId xmlns:a16="http://schemas.microsoft.com/office/drawing/2014/main" id="{D9A0DF16-14A0-8927-4EC3-E7BD6213414A}"/>
+              </a:ext>
+            </a:extLst>
+          </p:cNvPr>
+          <p:cNvSpPr/>
+          <p:nvPr/>
+        </p:nvSpPr>
+        <p:spPr>
+          <a:xfrm>
+            <a:off x="8008620" y="704849"/>
+            <a:ext cx="4183380" cy="6153150"/>
+          </a:xfrm>
+          <a:prstGeom prst="rect">
+            <a:avLst/>
+          </a:prstGeom>
+          <a:noFill/>
+          <a:ln w="28575">
+            <a:noFill/>
+          </a:ln>
+        </p:spPr>
+        <p:style>
+          <a:lnRef idx="1">
+            <a:schemeClr val="accent1"/>
+          </a:lnRef>
+          <a:fillRef idx="3">
+            <a:schemeClr val="accent1"/>
+          </a:fillRef>
+          <a:effectRef idx="2">
+            <a:schemeClr val="accent1"/>
+          </a:effectRef>
+          <a:fontRef idx="minor">
+            <a:schemeClr val="lt1"/>
+          </a:fontRef>
+        </p:style>
+        <p:txBody>
+          <a:bodyPr rtlCol="0" anchor="ctr"/>
+          <a:lstStyle/>
+          <a:p>
+            <a:pPr algn="ctr"/>
+            <a:endParaRPr sz="1600">
+              <a:solidFill>
+                <a:srgbClr val="000000"/>
+              </a:solidFill>
+              <a:latin typeface="Calibri" panose="020F0502020204030204" pitchFamily="34" charset="0"/>
+              <a:cs typeface="Calibri" panose="020F0502020204030204" pitchFamily="34" charset="0"/>
+            </a:endParaRPr>
           </a:p>
         </p:txBody>
       </p:sp>
@@ -7132,7 +7264,10 @@
           <a:lstStyle/>
           <a:p>
             <a:pPr algn="ctr"/>
-            <a:endParaRPr/>
+            <a:endParaRPr sz="1600">
+              <a:latin typeface="Calibri" panose="020F0502020204030204" pitchFamily="34" charset="0"/>
+              <a:cs typeface="Calibri" panose="020F0502020204030204" pitchFamily="34" charset="0"/>
+            </a:endParaRPr>
           </a:p>
         </p:txBody>
       </p:sp>
@@ -7429,7 +7564,10 @@
           <a:lstStyle/>
           <a:p>
             <a:pPr algn="ctr"/>
-            <a:endParaRPr/>
+            <a:endParaRPr sz="1600">
+              <a:latin typeface="Calibri" panose="020F0502020204030204" pitchFamily="34" charset="0"/>
+              <a:cs typeface="Calibri" panose="020F0502020204030204" pitchFamily="34" charset="0"/>
+            </a:endParaRPr>
           </a:p>
         </p:txBody>
       </p:sp>
@@ -7726,7 +7864,10 @@
           <a:lstStyle/>
           <a:p>
             <a:pPr algn="ctr"/>
-            <a:endParaRPr/>
+            <a:endParaRPr sz="1600">
+              <a:latin typeface="Calibri" panose="020F0502020204030204" pitchFamily="34" charset="0"/>
+              <a:cs typeface="Calibri" panose="020F0502020204030204" pitchFamily="34" charset="0"/>
+            </a:endParaRPr>
           </a:p>
         </p:txBody>
       </p:sp>
